--- a/技术分享-Redis.pptx
+++ b/技术分享-Redis.pptx
@@ -248,7 +248,7 @@
           <a:p>
             <a:fld id="{8E6C0C13-7948-2440-9F8F-07C5B9A76C45}" type="datetimeFigureOut">
               <a:rPr lang="en-US" smtClean="0"/>
-              <a:t>11/16/2017</a:t>
+              <a:t>11/27/2017</a:t>
             </a:fld>
             <a:endParaRPr lang="en-US"/>
           </a:p>
@@ -2406,13 +2406,7 @@
               <a:rPr lang="zh-CN" altLang="en-US" sz="2400" dirty="0" smtClean="0">
                 <a:sym typeface="Wingdings" panose="05000000000000000000" pitchFamily="2" charset="2"/>
               </a:rPr>
-              <a:t>编码的字符串对象的所有数据都保存在一块连续的内存里面，可以更好的利用缓存带来的优势</a:t>
-            </a:r>
-            <a:r>
-              <a:rPr lang="zh-CN" altLang="en-US" sz="2400" dirty="0" smtClean="0">
-                <a:sym typeface="Wingdings" panose="05000000000000000000" pitchFamily="2" charset="2"/>
-              </a:rPr>
-              <a:t>；</a:t>
+              <a:t>编码的字符串对象的所有数据都保存在一块连续的内存里面，可以更好的利用缓存带来的优势；</a:t>
             </a:r>
             <a:endParaRPr lang="en-US" altLang="zh-CN" sz="2400" dirty="0" smtClean="0">
               <a:sym typeface="Wingdings" panose="05000000000000000000" pitchFamily="2" charset="2"/>
@@ -2679,11 +2673,7 @@
             </a:r>
             <a:r>
               <a:rPr lang="zh-CN" altLang="en-US" sz="2400" dirty="0" smtClean="0"/>
-              <a:t>编码</a:t>
-            </a:r>
-            <a:r>
-              <a:rPr lang="zh-CN" altLang="en-US" sz="2400" dirty="0" smtClean="0"/>
-              <a:t>；</a:t>
+              <a:t>编码；</a:t>
             </a:r>
             <a:endParaRPr lang="en-US" altLang="zh-CN" sz="2400" dirty="0" smtClean="0"/>
           </a:p>
@@ -3003,121 +2993,445 @@
           <a:lstStyle/>
           <a:p>
             <a:r>
-              <a:rPr lang="en-US" altLang="zh-CN" dirty="0" err="1" smtClean="0"/>
+              <a:rPr lang="en-US" altLang="zh-CN" sz="1200" b="0" i="0" kern="1200" dirty="0" err="1" smtClean="0">
+                <a:solidFill>
+                  <a:schemeClr val="tx1"/>
+                </a:solidFill>
+                <a:effectLst/>
+                <a:latin typeface="+mn-lt"/>
+                <a:ea typeface="+mn-ea"/>
+                <a:cs typeface="+mn-cs"/>
+              </a:rPr>
               <a:t>appendonly</a:t>
             </a:r>
             <a:r>
-              <a:rPr lang="en-US" altLang="zh-CN" baseline="0" dirty="0" smtClean="0"/>
-              <a:t> yes             //</a:t>
-            </a:r>
-            <a:r>
-              <a:rPr lang="zh-CN" altLang="en-US" baseline="0" dirty="0" smtClean="0"/>
+              <a:rPr lang="en-US" altLang="zh-CN" sz="1200" b="0" i="0" kern="1200" dirty="0" smtClean="0">
+                <a:solidFill>
+                  <a:schemeClr val="tx1"/>
+                </a:solidFill>
+                <a:effectLst/>
+                <a:latin typeface="+mn-lt"/>
+                <a:ea typeface="+mn-ea"/>
+                <a:cs typeface="+mn-cs"/>
+              </a:rPr>
+              <a:t> yes             //</a:t>
+            </a:r>
+            <a:r>
+              <a:rPr lang="zh-CN" altLang="en-US" sz="1200" b="0" i="0" kern="1200" dirty="0" smtClean="0">
+                <a:solidFill>
+                  <a:schemeClr val="tx1"/>
+                </a:solidFill>
+                <a:effectLst/>
+                <a:latin typeface="+mn-lt"/>
+                <a:ea typeface="+mn-ea"/>
+                <a:cs typeface="+mn-cs"/>
+              </a:rPr>
               <a:t>启用</a:t>
             </a:r>
             <a:r>
-              <a:rPr lang="en-US" altLang="zh-CN" baseline="0" dirty="0" smtClean="0"/>
+              <a:rPr lang="en-US" altLang="zh-CN" sz="1200" b="0" i="0" kern="1200" dirty="0" smtClean="0">
+                <a:solidFill>
+                  <a:schemeClr val="tx1"/>
+                </a:solidFill>
+                <a:effectLst/>
+                <a:latin typeface="+mn-lt"/>
+                <a:ea typeface="+mn-ea"/>
+                <a:cs typeface="+mn-cs"/>
+              </a:rPr>
               <a:t>AOF</a:t>
             </a:r>
             <a:r>
-              <a:rPr lang="zh-CN" altLang="en-US" baseline="0" dirty="0" smtClean="0"/>
+              <a:rPr lang="zh-CN" altLang="en-US" sz="1200" b="0" i="0" kern="1200" dirty="0" smtClean="0">
+                <a:solidFill>
+                  <a:schemeClr val="tx1"/>
+                </a:solidFill>
+                <a:effectLst/>
+                <a:latin typeface="+mn-lt"/>
+                <a:ea typeface="+mn-ea"/>
+                <a:cs typeface="+mn-cs"/>
+              </a:rPr>
               <a:t>持久化方式，默认是</a:t>
             </a:r>
             <a:r>
-              <a:rPr lang="en-US" altLang="zh-CN" baseline="0" dirty="0" err="1" smtClean="0"/>
+              <a:rPr lang="en-US" altLang="zh-CN" sz="1200" b="0" i="0" kern="1200" dirty="0" err="1" smtClean="0">
+                <a:solidFill>
+                  <a:schemeClr val="tx1"/>
+                </a:solidFill>
+                <a:effectLst/>
+                <a:latin typeface="+mn-lt"/>
+                <a:ea typeface="+mn-ea"/>
+                <a:cs typeface="+mn-cs"/>
+              </a:rPr>
               <a:t>everysec</a:t>
             </a:r>
-            <a:endParaRPr lang="en-US" altLang="zh-CN" baseline="0" dirty="0" smtClean="0"/>
-          </a:p>
-          <a:p>
-            <a:r>
-              <a:rPr lang="en-US" altLang="zh-CN" baseline="0" dirty="0" err="1" smtClean="0"/>
+            <a:r>
+              <a:rPr lang="en-US" altLang="zh-CN" dirty="0" smtClean="0"/>
+              <a:t/>
+            </a:r>
+            <a:br>
+              <a:rPr lang="en-US" altLang="zh-CN" dirty="0" smtClean="0"/>
+            </a:br>
+            <a:r>
+              <a:rPr lang="en-US" altLang="zh-CN" sz="1200" b="0" i="0" kern="1200" dirty="0" err="1" smtClean="0">
+                <a:solidFill>
+                  <a:schemeClr val="tx1"/>
+                </a:solidFill>
+                <a:effectLst/>
+                <a:latin typeface="+mn-lt"/>
+                <a:ea typeface="+mn-ea"/>
+                <a:cs typeface="+mn-cs"/>
+              </a:rPr>
               <a:t>appendfsync</a:t>
             </a:r>
             <a:r>
-              <a:rPr lang="en-US" altLang="zh-CN" baseline="0" dirty="0" smtClean="0"/>
-              <a:t> always      //</a:t>
-            </a:r>
-            <a:r>
-              <a:rPr lang="zh-CN" altLang="en-US" baseline="0" dirty="0" smtClean="0"/>
-              <a:t>每次收到写命令就立即将</a:t>
-            </a:r>
-            <a:r>
-              <a:rPr lang="en-US" altLang="zh-CN" baseline="0" dirty="0" err="1" smtClean="0"/>
-              <a:t>aof_buff</a:t>
-            </a:r>
-            <a:r>
-              <a:rPr lang="zh-CN" altLang="en-US" baseline="0" dirty="0" smtClean="0"/>
-              <a:t>缓冲区内容强制写入并同步到</a:t>
-            </a:r>
-            <a:r>
-              <a:rPr lang="en-US" altLang="zh-CN" baseline="0" dirty="0" smtClean="0"/>
+              <a:rPr lang="en-US" altLang="zh-CN" sz="1200" b="0" i="0" kern="1200" dirty="0" smtClean="0">
+                <a:solidFill>
+                  <a:schemeClr val="tx1"/>
+                </a:solidFill>
+                <a:effectLst/>
+                <a:latin typeface="+mn-lt"/>
+                <a:ea typeface="+mn-ea"/>
+                <a:cs typeface="+mn-cs"/>
+              </a:rPr>
+              <a:t> always      //</a:t>
+            </a:r>
+            <a:r>
+              <a:rPr lang="zh-CN" altLang="en-US" sz="1200" b="0" i="0" kern="1200" dirty="0" smtClean="0">
+                <a:solidFill>
+                  <a:schemeClr val="tx1"/>
+                </a:solidFill>
+                <a:effectLst/>
+                <a:latin typeface="+mn-lt"/>
+                <a:ea typeface="+mn-ea"/>
+                <a:cs typeface="+mn-cs"/>
+              </a:rPr>
+              <a:t>每个事件循环都要将</a:t>
+            </a:r>
+            <a:r>
+              <a:rPr lang="en-US" altLang="zh-CN" sz="1200" b="0" i="0" kern="1200" dirty="0" err="1" smtClean="0">
+                <a:solidFill>
+                  <a:schemeClr val="tx1"/>
+                </a:solidFill>
+                <a:effectLst/>
+                <a:latin typeface="+mn-lt"/>
+                <a:ea typeface="+mn-ea"/>
+                <a:cs typeface="+mn-cs"/>
+              </a:rPr>
+              <a:t>aof_buf</a:t>
+            </a:r>
+            <a:r>
+              <a:rPr lang="zh-CN" altLang="en-US" sz="1200" b="0" i="0" kern="1200" dirty="0" smtClean="0">
+                <a:solidFill>
+                  <a:schemeClr val="tx1"/>
+                </a:solidFill>
+                <a:effectLst/>
+                <a:latin typeface="+mn-lt"/>
+                <a:ea typeface="+mn-ea"/>
+                <a:cs typeface="+mn-cs"/>
+              </a:rPr>
+              <a:t>缓冲区中内容写入</a:t>
+            </a:r>
+            <a:r>
+              <a:rPr lang="en-US" altLang="zh-CN" sz="1200" b="0" i="0" kern="1200" dirty="0" smtClean="0">
+                <a:solidFill>
+                  <a:schemeClr val="tx1"/>
+                </a:solidFill>
+                <a:effectLst/>
+                <a:latin typeface="+mn-lt"/>
+                <a:ea typeface="+mn-ea"/>
+                <a:cs typeface="+mn-cs"/>
+              </a:rPr>
               <a:t>AOF</a:t>
             </a:r>
             <a:r>
-              <a:rPr lang="zh-CN" altLang="en-US" baseline="0" dirty="0" smtClean="0"/>
+              <a:rPr lang="zh-CN" altLang="en-US" sz="1200" b="0" i="0" kern="1200" dirty="0" smtClean="0">
+                <a:solidFill>
+                  <a:schemeClr val="tx1"/>
+                </a:solidFill>
+                <a:effectLst/>
+                <a:latin typeface="+mn-lt"/>
+                <a:ea typeface="+mn-ea"/>
+                <a:cs typeface="+mn-cs"/>
+              </a:rPr>
+              <a:t>文件，并同步到</a:t>
+            </a:r>
+            <a:r>
+              <a:rPr lang="en-US" altLang="zh-CN" sz="1200" b="0" i="0" kern="1200" dirty="0" smtClean="0">
+                <a:solidFill>
+                  <a:schemeClr val="tx1"/>
+                </a:solidFill>
+                <a:effectLst/>
+                <a:latin typeface="+mn-lt"/>
+                <a:ea typeface="+mn-ea"/>
+                <a:cs typeface="+mn-cs"/>
+              </a:rPr>
+              <a:t>AOF</a:t>
+            </a:r>
+            <a:r>
+              <a:rPr lang="zh-CN" altLang="en-US" sz="1200" b="0" i="0" kern="1200" dirty="0" smtClean="0">
+                <a:solidFill>
+                  <a:schemeClr val="tx1"/>
+                </a:solidFill>
+                <a:effectLst/>
+                <a:latin typeface="+mn-lt"/>
+                <a:ea typeface="+mn-ea"/>
+                <a:cs typeface="+mn-cs"/>
+              </a:rPr>
               <a:t>文件。最慢但最安全</a:t>
             </a:r>
-            <a:endParaRPr lang="en-US" altLang="zh-CN" baseline="0" dirty="0" smtClean="0"/>
-          </a:p>
-          <a:p>
-            <a:r>
-              <a:rPr lang="en-US" altLang="zh-CN" baseline="0" dirty="0" err="1" smtClean="0"/>
+            <a:r>
+              <a:rPr lang="zh-CN" altLang="en-US" dirty="0" smtClean="0"/>
+              <a:t/>
+            </a:r>
+            <a:br>
+              <a:rPr lang="zh-CN" altLang="en-US" dirty="0" smtClean="0"/>
+            </a:br>
+            <a:r>
+              <a:rPr lang="en-US" altLang="zh-CN" sz="1200" b="0" i="0" kern="1200" dirty="0" err="1" smtClean="0">
+                <a:solidFill>
+                  <a:schemeClr val="tx1"/>
+                </a:solidFill>
+                <a:effectLst/>
+                <a:latin typeface="+mn-lt"/>
+                <a:ea typeface="+mn-ea"/>
+                <a:cs typeface="+mn-cs"/>
+              </a:rPr>
               <a:t>appendfsync</a:t>
             </a:r>
             <a:r>
-              <a:rPr lang="en-US" altLang="zh-CN" baseline="0" dirty="0" smtClean="0"/>
+              <a:rPr lang="en-US" altLang="zh-CN" sz="1200" b="0" i="0" kern="1200" dirty="0" smtClean="0">
+                <a:solidFill>
+                  <a:schemeClr val="tx1"/>
+                </a:solidFill>
+                <a:effectLst/>
+                <a:latin typeface="+mn-lt"/>
+                <a:ea typeface="+mn-ea"/>
+                <a:cs typeface="+mn-cs"/>
+              </a:rPr>
               <a:t> </a:t>
             </a:r>
             <a:r>
-              <a:rPr lang="en-US" altLang="zh-CN" baseline="0" dirty="0" err="1" smtClean="0"/>
+              <a:rPr lang="en-US" altLang="zh-CN" sz="1200" b="0" i="0" kern="1200" dirty="0" err="1" smtClean="0">
+                <a:solidFill>
+                  <a:schemeClr val="tx1"/>
+                </a:solidFill>
+                <a:effectLst/>
+                <a:latin typeface="+mn-lt"/>
+                <a:ea typeface="+mn-ea"/>
+                <a:cs typeface="+mn-cs"/>
+              </a:rPr>
               <a:t>everysec</a:t>
             </a:r>
             <a:r>
-              <a:rPr lang="en-US" altLang="zh-CN" baseline="0" dirty="0" smtClean="0"/>
-              <a:t>   //</a:t>
-            </a:r>
-            <a:r>
-              <a:rPr lang="zh-CN" altLang="en-US" baseline="0" dirty="0" smtClean="0"/>
-              <a:t>每秒将</a:t>
-            </a:r>
-            <a:r>
-              <a:rPr lang="en-US" altLang="zh-CN" baseline="0" dirty="0" err="1" smtClean="0"/>
-              <a:t>aof_buff</a:t>
-            </a:r>
-            <a:r>
-              <a:rPr lang="zh-CN" altLang="en-US" baseline="0" dirty="0" smtClean="0"/>
-              <a:t>缓冲区内容强制写入并同步到</a:t>
-            </a:r>
-            <a:r>
-              <a:rPr lang="en-US" altLang="zh-CN" baseline="0" dirty="0" smtClean="0"/>
+              <a:rPr lang="en-US" altLang="zh-CN" sz="1200" b="0" i="0" kern="1200" dirty="0" smtClean="0">
+                <a:solidFill>
+                  <a:schemeClr val="tx1"/>
+                </a:solidFill>
+                <a:effectLst/>
+                <a:latin typeface="+mn-lt"/>
+                <a:ea typeface="+mn-ea"/>
+                <a:cs typeface="+mn-cs"/>
+              </a:rPr>
+              <a:t>  //</a:t>
+            </a:r>
+            <a:r>
+              <a:rPr lang="zh-CN" altLang="en-US" sz="1200" b="0" i="0" kern="1200" dirty="0" smtClean="0">
+                <a:solidFill>
+                  <a:schemeClr val="tx1"/>
+                </a:solidFill>
+                <a:effectLst/>
+                <a:latin typeface="+mn-lt"/>
+                <a:ea typeface="+mn-ea"/>
+                <a:cs typeface="+mn-cs"/>
+              </a:rPr>
+              <a:t>每个事件循环都要将</a:t>
+            </a:r>
+            <a:r>
+              <a:rPr lang="en-US" altLang="zh-CN" sz="1200" b="0" i="0" kern="1200" dirty="0" err="1" smtClean="0">
+                <a:solidFill>
+                  <a:schemeClr val="tx1"/>
+                </a:solidFill>
+                <a:effectLst/>
+                <a:latin typeface="+mn-lt"/>
+                <a:ea typeface="+mn-ea"/>
+                <a:cs typeface="+mn-cs"/>
+              </a:rPr>
+              <a:t>aof_buf</a:t>
+            </a:r>
+            <a:r>
+              <a:rPr lang="zh-CN" altLang="en-US" sz="1200" b="0" i="0" kern="1200" dirty="0" smtClean="0">
+                <a:solidFill>
+                  <a:schemeClr val="tx1"/>
+                </a:solidFill>
+                <a:effectLst/>
+                <a:latin typeface="+mn-lt"/>
+                <a:ea typeface="+mn-ea"/>
+                <a:cs typeface="+mn-cs"/>
+              </a:rPr>
+              <a:t>缓冲区中内容写入</a:t>
+            </a:r>
+            <a:r>
+              <a:rPr lang="en-US" altLang="zh-CN" sz="1200" b="0" i="0" kern="1200" dirty="0" smtClean="0">
+                <a:solidFill>
+                  <a:schemeClr val="tx1"/>
+                </a:solidFill>
+                <a:effectLst/>
+                <a:latin typeface="+mn-lt"/>
+                <a:ea typeface="+mn-ea"/>
+                <a:cs typeface="+mn-cs"/>
+              </a:rPr>
               <a:t>AOF</a:t>
             </a:r>
             <a:r>
-              <a:rPr lang="zh-CN" altLang="en-US" baseline="0" dirty="0" smtClean="0"/>
-              <a:t>文件。在性能和持久化方面做了折中</a:t>
-            </a:r>
-            <a:endParaRPr lang="en-US" altLang="zh-CN" baseline="0" dirty="0" smtClean="0"/>
-          </a:p>
-          <a:p>
-            <a:r>
-              <a:rPr lang="en-US" altLang="zh-CN" baseline="0" dirty="0" err="1" smtClean="0"/>
+              <a:rPr lang="zh-CN" altLang="en-US" sz="1200" b="0" i="0" kern="1200" dirty="0" smtClean="0">
+                <a:solidFill>
+                  <a:schemeClr val="tx1"/>
+                </a:solidFill>
+                <a:effectLst/>
+                <a:latin typeface="+mn-lt"/>
+                <a:ea typeface="+mn-ea"/>
+                <a:cs typeface="+mn-cs"/>
+              </a:rPr>
+              <a:t>文件，每秒在子线程中执行</a:t>
+            </a:r>
+            <a:r>
+              <a:rPr lang="en-US" altLang="zh-CN" sz="1200" b="0" i="0" kern="1200" dirty="0" smtClean="0">
+                <a:solidFill>
+                  <a:schemeClr val="tx1"/>
+                </a:solidFill>
+                <a:effectLst/>
+                <a:latin typeface="+mn-lt"/>
+                <a:ea typeface="+mn-ea"/>
+                <a:cs typeface="+mn-cs"/>
+              </a:rPr>
+              <a:t>AOF</a:t>
+            </a:r>
+            <a:r>
+              <a:rPr lang="zh-CN" altLang="en-US" sz="1200" b="0" i="0" kern="1200" dirty="0" smtClean="0">
+                <a:solidFill>
+                  <a:schemeClr val="tx1"/>
+                </a:solidFill>
+                <a:effectLst/>
+                <a:latin typeface="+mn-lt"/>
+                <a:ea typeface="+mn-ea"/>
+                <a:cs typeface="+mn-cs"/>
+              </a:rPr>
+              <a:t>文件同步。在性能和持久化方面做了折中</a:t>
+            </a:r>
+            <a:r>
+              <a:rPr lang="zh-CN" altLang="en-US" dirty="0" smtClean="0"/>
+              <a:t/>
+            </a:r>
+            <a:br>
+              <a:rPr lang="zh-CN" altLang="en-US" dirty="0" smtClean="0"/>
+            </a:br>
+            <a:r>
+              <a:rPr lang="en-US" altLang="zh-CN" sz="1200" b="0" i="0" kern="1200" dirty="0" err="1" smtClean="0">
+                <a:solidFill>
+                  <a:schemeClr val="tx1"/>
+                </a:solidFill>
+                <a:effectLst/>
+                <a:latin typeface="+mn-lt"/>
+                <a:ea typeface="+mn-ea"/>
+                <a:cs typeface="+mn-cs"/>
+              </a:rPr>
               <a:t>appendfsync</a:t>
             </a:r>
             <a:r>
-              <a:rPr lang="en-US" altLang="zh-CN" baseline="0" dirty="0" smtClean="0"/>
-              <a:t> no            //</a:t>
-            </a:r>
-            <a:r>
-              <a:rPr lang="zh-CN" altLang="en-US" baseline="0" dirty="0" smtClean="0"/>
-              <a:t>由操作系统决定什么时候进行</a:t>
-            </a:r>
-            <a:r>
-              <a:rPr lang="en-US" altLang="zh-CN" baseline="0" dirty="0" smtClean="0"/>
+              <a:rPr lang="en-US" altLang="zh-CN" sz="1200" b="0" i="0" kern="1200" dirty="0" smtClean="0">
+                <a:solidFill>
+                  <a:schemeClr val="tx1"/>
+                </a:solidFill>
+                <a:effectLst/>
+                <a:latin typeface="+mn-lt"/>
+                <a:ea typeface="+mn-ea"/>
+                <a:cs typeface="+mn-cs"/>
+              </a:rPr>
+              <a:t> no            //</a:t>
+            </a:r>
+            <a:r>
+              <a:rPr lang="zh-CN" altLang="en-US" sz="1200" b="0" i="0" kern="1200" dirty="0" smtClean="0">
+                <a:solidFill>
+                  <a:schemeClr val="tx1"/>
+                </a:solidFill>
+                <a:effectLst/>
+                <a:latin typeface="+mn-lt"/>
+                <a:ea typeface="+mn-ea"/>
+                <a:cs typeface="+mn-cs"/>
+              </a:rPr>
+              <a:t>每个事件循环都要将</a:t>
+            </a:r>
+            <a:r>
+              <a:rPr lang="en-US" altLang="zh-CN" sz="1200" b="0" i="0" kern="1200" dirty="0" err="1" smtClean="0">
+                <a:solidFill>
+                  <a:schemeClr val="tx1"/>
+                </a:solidFill>
+                <a:effectLst/>
+                <a:latin typeface="+mn-lt"/>
+                <a:ea typeface="+mn-ea"/>
+                <a:cs typeface="+mn-cs"/>
+              </a:rPr>
+              <a:t>aof_buf</a:t>
+            </a:r>
+            <a:r>
+              <a:rPr lang="zh-CN" altLang="en-US" sz="1200" b="0" i="0" kern="1200" dirty="0" smtClean="0">
+                <a:solidFill>
+                  <a:schemeClr val="tx1"/>
+                </a:solidFill>
+                <a:effectLst/>
+                <a:latin typeface="+mn-lt"/>
+                <a:ea typeface="+mn-ea"/>
+                <a:cs typeface="+mn-cs"/>
+              </a:rPr>
+              <a:t>缓冲区中内容写入</a:t>
+            </a:r>
+            <a:r>
+              <a:rPr lang="en-US" altLang="zh-CN" sz="1200" b="0" i="0" kern="1200" dirty="0" smtClean="0">
+                <a:solidFill>
+                  <a:schemeClr val="tx1"/>
+                </a:solidFill>
+                <a:effectLst/>
+                <a:latin typeface="+mn-lt"/>
+                <a:ea typeface="+mn-ea"/>
+                <a:cs typeface="+mn-cs"/>
+              </a:rPr>
               <a:t>AOF</a:t>
             </a:r>
             <a:r>
-              <a:rPr lang="zh-CN" altLang="en-US" baseline="0" dirty="0" smtClean="0"/>
-              <a:t>文件同步。性能最好，但持久化没保障</a:t>
+              <a:rPr lang="zh-CN" altLang="en-US" sz="1200" b="0" i="0" kern="1200" dirty="0" smtClean="0">
+                <a:solidFill>
+                  <a:schemeClr val="tx1"/>
+                </a:solidFill>
+                <a:effectLst/>
+                <a:latin typeface="+mn-lt"/>
+                <a:ea typeface="+mn-ea"/>
+                <a:cs typeface="+mn-cs"/>
+              </a:rPr>
+              <a:t>文件，</a:t>
+            </a:r>
+            <a:r>
+              <a:rPr lang="en-US" altLang="zh-CN" sz="1200" b="0" i="0" kern="1200" dirty="0" smtClean="0">
+                <a:solidFill>
+                  <a:schemeClr val="tx1"/>
+                </a:solidFill>
+                <a:effectLst/>
+                <a:latin typeface="+mn-lt"/>
+                <a:ea typeface="+mn-ea"/>
+                <a:cs typeface="+mn-cs"/>
+              </a:rPr>
+              <a:t>AOF</a:t>
+            </a:r>
+            <a:r>
+              <a:rPr lang="zh-CN" altLang="en-US" sz="1200" b="0" i="0" kern="1200" dirty="0" smtClean="0">
+                <a:solidFill>
+                  <a:schemeClr val="tx1"/>
+                </a:solidFill>
+                <a:effectLst/>
+                <a:latin typeface="+mn-lt"/>
+                <a:ea typeface="+mn-ea"/>
+                <a:cs typeface="+mn-cs"/>
+              </a:rPr>
+              <a:t>文件的同步由操作系统控制。性能最好，但持久化没保障</a:t>
             </a:r>
             <a:endParaRPr lang="zh-CN" altLang="en-US" dirty="0"/>
           </a:p>
@@ -3204,64 +3518,174 @@
           <a:lstStyle/>
           <a:p>
             <a:r>
-              <a:rPr lang="zh-CN" altLang="en-US" dirty="0" smtClean="0"/>
-              <a:t>将</a:t>
-            </a:r>
-            <a:r>
-              <a:rPr lang="en-US" altLang="zh-CN" dirty="0" smtClean="0"/>
+              <a:rPr lang="zh-CN" altLang="en-US" sz="1200" b="0" i="0" kern="1200" dirty="0" smtClean="0">
+                <a:solidFill>
+                  <a:schemeClr val="tx1"/>
+                </a:solidFill>
+                <a:effectLst/>
+                <a:latin typeface="+mn-lt"/>
+                <a:ea typeface="+mn-ea"/>
+                <a:cs typeface="+mn-cs"/>
+              </a:rPr>
+              <a:t>为什么要将</a:t>
+            </a:r>
+            <a:r>
+              <a:rPr lang="en-US" altLang="zh-CN" sz="1200" b="0" i="0" kern="1200" dirty="0" smtClean="0">
+                <a:solidFill>
+                  <a:schemeClr val="tx1"/>
+                </a:solidFill>
+                <a:effectLst/>
+                <a:latin typeface="+mn-lt"/>
+                <a:ea typeface="+mn-ea"/>
+                <a:cs typeface="+mn-cs"/>
+              </a:rPr>
               <a:t>AOF</a:t>
             </a:r>
             <a:r>
-              <a:rPr lang="zh-CN" altLang="en-US" dirty="0" smtClean="0"/>
-              <a:t>重写程序放到子进程：</a:t>
-            </a:r>
-            <a:endParaRPr lang="en-US" altLang="zh-CN" dirty="0" smtClean="0"/>
-          </a:p>
-          <a:p>
-            <a:r>
-              <a:rPr lang="zh-CN" altLang="en-US" dirty="0" smtClean="0"/>
+              <a:rPr lang="zh-CN" altLang="en-US" sz="1200" b="0" i="0" kern="1200" dirty="0" smtClean="0">
+                <a:solidFill>
+                  <a:schemeClr val="tx1"/>
+                </a:solidFill>
+                <a:effectLst/>
+                <a:latin typeface="+mn-lt"/>
+                <a:ea typeface="+mn-ea"/>
+                <a:cs typeface="+mn-cs"/>
+              </a:rPr>
+              <a:t>重写放到子进程中？</a:t>
+            </a:r>
+          </a:p>
+          <a:p>
+            <a:r>
+              <a:rPr lang="zh-CN" altLang="en-US" sz="1200" b="0" i="0" kern="1200" dirty="0" smtClean="0">
+                <a:solidFill>
+                  <a:schemeClr val="tx1"/>
+                </a:solidFill>
+                <a:effectLst/>
+                <a:latin typeface="+mn-lt"/>
+                <a:ea typeface="+mn-ea"/>
+                <a:cs typeface="+mn-cs"/>
+              </a:rPr>
               <a:t>（</a:t>
             </a:r>
             <a:r>
-              <a:rPr lang="en-US" altLang="zh-CN" dirty="0" smtClean="0"/>
-              <a:t>1</a:t>
-            </a:r>
-            <a:r>
-              <a:rPr lang="zh-CN" altLang="en-US" dirty="0" smtClean="0"/>
+              <a:rPr lang="en-US" altLang="zh-CN" sz="1200" b="0" i="0" kern="1200" dirty="0" smtClean="0">
+                <a:solidFill>
+                  <a:schemeClr val="tx1"/>
+                </a:solidFill>
+                <a:effectLst/>
+                <a:latin typeface="+mn-lt"/>
+                <a:ea typeface="+mn-ea"/>
+                <a:cs typeface="+mn-cs"/>
+              </a:rPr>
+              <a:t>a</a:t>
+            </a:r>
+            <a:r>
+              <a:rPr lang="zh-CN" altLang="en-US" sz="1200" b="0" i="0" kern="1200" dirty="0" smtClean="0">
+                <a:solidFill>
+                  <a:schemeClr val="tx1"/>
+                </a:solidFill>
+                <a:effectLst/>
+                <a:latin typeface="+mn-lt"/>
+                <a:ea typeface="+mn-ea"/>
+                <a:cs typeface="+mn-cs"/>
+              </a:rPr>
               <a:t>）</a:t>
             </a:r>
             <a:r>
-              <a:rPr lang="en-US" altLang="zh-CN" dirty="0" err="1" smtClean="0"/>
+              <a:rPr lang="en-US" altLang="zh-CN" sz="1200" b="0" i="0" kern="1200" dirty="0" err="1" smtClean="0">
+                <a:solidFill>
+                  <a:schemeClr val="tx1"/>
+                </a:solidFill>
+                <a:effectLst/>
+                <a:latin typeface="+mn-lt"/>
+                <a:ea typeface="+mn-ea"/>
+                <a:cs typeface="+mn-cs"/>
+              </a:rPr>
               <a:t>Redis</a:t>
             </a:r>
             <a:r>
-              <a:rPr lang="zh-CN" altLang="en-US" dirty="0" smtClean="0"/>
-              <a:t>是采用单线程处理请求命令，在</a:t>
-            </a:r>
-            <a:r>
-              <a:rPr lang="en-US" altLang="zh-CN" dirty="0" smtClean="0"/>
+              <a:rPr lang="zh-CN" altLang="en-US" sz="1200" b="0" i="0" kern="1200" dirty="0" smtClean="0">
+                <a:solidFill>
+                  <a:schemeClr val="tx1"/>
+                </a:solidFill>
+                <a:effectLst/>
+                <a:latin typeface="+mn-lt"/>
+                <a:ea typeface="+mn-ea"/>
+                <a:cs typeface="+mn-cs"/>
+              </a:rPr>
+              <a:t>采用单线程处理命令请求，在子进程进行</a:t>
+            </a:r>
+            <a:r>
+              <a:rPr lang="en-US" altLang="zh-CN" sz="1200" b="0" i="0" kern="1200" dirty="0" smtClean="0">
+                <a:solidFill>
+                  <a:schemeClr val="tx1"/>
+                </a:solidFill>
+                <a:effectLst/>
+                <a:latin typeface="+mn-lt"/>
+                <a:ea typeface="+mn-ea"/>
+                <a:cs typeface="+mn-cs"/>
+              </a:rPr>
               <a:t>AOF</a:t>
             </a:r>
             <a:r>
-              <a:rPr lang="zh-CN" altLang="en-US" dirty="0" smtClean="0"/>
-              <a:t>执行期间，服务器无法处理客户端的命令请求；</a:t>
-            </a:r>
-            <a:endParaRPr lang="en-US" altLang="zh-CN" dirty="0" smtClean="0"/>
-          </a:p>
-          <a:p>
-            <a:r>
-              <a:rPr lang="zh-CN" altLang="en-US" dirty="0" smtClean="0"/>
+              <a:rPr lang="zh-CN" altLang="en-US" sz="1200" b="0" i="0" kern="1200" dirty="0" smtClean="0">
+                <a:solidFill>
+                  <a:schemeClr val="tx1"/>
+                </a:solidFill>
+                <a:effectLst/>
+                <a:latin typeface="+mn-lt"/>
+                <a:ea typeface="+mn-ea"/>
+                <a:cs typeface="+mn-cs"/>
+              </a:rPr>
+              <a:t>重写期间，父进程可以继续处理命令请求；</a:t>
+            </a:r>
+          </a:p>
+          <a:p>
+            <a:r>
+              <a:rPr lang="zh-CN" altLang="en-US" sz="1200" b="0" i="0" kern="1200" dirty="0" smtClean="0">
+                <a:solidFill>
+                  <a:schemeClr val="tx1"/>
+                </a:solidFill>
+                <a:effectLst/>
+                <a:latin typeface="+mn-lt"/>
+                <a:ea typeface="+mn-ea"/>
+                <a:cs typeface="+mn-cs"/>
+              </a:rPr>
               <a:t>（</a:t>
             </a:r>
             <a:r>
-              <a:rPr lang="en-US" altLang="zh-CN" dirty="0" smtClean="0"/>
-              <a:t>2</a:t>
-            </a:r>
-            <a:r>
-              <a:rPr lang="zh-CN" altLang="en-US" dirty="0" smtClean="0"/>
-              <a:t>）子进程带有服务器父进程的数据副本，子进程而不是线程可以避免使用锁的情况下保证数据安全性；</a:t>
-            </a:r>
-            <a:endParaRPr lang="zh-CN" altLang="en-US" dirty="0"/>
+              <a:rPr lang="en-US" altLang="zh-CN" sz="1200" b="0" i="0" kern="1200" dirty="0" smtClean="0">
+                <a:solidFill>
+                  <a:schemeClr val="tx1"/>
+                </a:solidFill>
+                <a:effectLst/>
+                <a:latin typeface="+mn-lt"/>
+                <a:ea typeface="+mn-ea"/>
+                <a:cs typeface="+mn-cs"/>
+              </a:rPr>
+              <a:t>b</a:t>
+            </a:r>
+            <a:r>
+              <a:rPr lang="zh-CN" altLang="en-US" sz="1200" b="0" i="0" kern="1200" dirty="0" smtClean="0">
+                <a:solidFill>
+                  <a:schemeClr val="tx1"/>
+                </a:solidFill>
+                <a:effectLst/>
+                <a:latin typeface="+mn-lt"/>
+                <a:ea typeface="+mn-ea"/>
+                <a:cs typeface="+mn-cs"/>
+              </a:rPr>
+              <a:t>）子进程带有服务器进程的数据副本，使用子进程而不是子线程是可以在避免使用锁的情况下保证数据的安全性。</a:t>
+            </a:r>
+            <a:endParaRPr lang="zh-CN" altLang="en-US" sz="1200" b="0" i="0" kern="1200" dirty="0">
+              <a:solidFill>
+                <a:schemeClr val="tx1"/>
+              </a:solidFill>
+              <a:effectLst/>
+              <a:latin typeface="+mn-lt"/>
+              <a:ea typeface="+mn-ea"/>
+              <a:cs typeface="+mn-cs"/>
+            </a:endParaRPr>
           </a:p>
         </p:txBody>
       </p:sp>
@@ -13455,7 +13879,27 @@
                 <a:latin typeface="微软雅黑" panose="020B0503020204020204" pitchFamily="34" charset="-122"/>
                 <a:ea typeface="微软雅黑" panose="020B0503020204020204" pitchFamily="34" charset="-122"/>
               </a:rPr>
-              <a:t>服务器重新启动后可以自动载入</a:t>
+              <a:t>服务器重新</a:t>
+            </a:r>
+            <a:r>
+              <a:rPr lang="zh-CN" altLang="en-US" sz="2400" dirty="0" smtClean="0">
+                <a:solidFill>
+                  <a:srgbClr val="EEF2F5"/>
+                </a:solidFill>
+                <a:latin typeface="微软雅黑" panose="020B0503020204020204" pitchFamily="34" charset="-122"/>
+                <a:ea typeface="微软雅黑" panose="020B0503020204020204" pitchFamily="34" charset="-122"/>
+              </a:rPr>
+              <a:t>启动时可以</a:t>
+            </a:r>
+            <a:r>
+              <a:rPr lang="zh-CN" altLang="en-US" sz="2400" dirty="0" smtClean="0">
+                <a:solidFill>
+                  <a:srgbClr val="EEF2F5"/>
+                </a:solidFill>
+                <a:latin typeface="微软雅黑" panose="020B0503020204020204" pitchFamily="34" charset="-122"/>
+                <a:ea typeface="微软雅黑" panose="020B0503020204020204" pitchFamily="34" charset="-122"/>
+              </a:rPr>
+              <a:t>自动载入</a:t>
             </a:r>
             <a:r>
               <a:rPr lang="en-US" altLang="zh-CN" sz="2400" dirty="0" smtClean="0">
@@ -13475,17 +13919,7 @@
                 <a:latin typeface="微软雅黑" panose="020B0503020204020204" pitchFamily="34" charset="-122"/>
                 <a:ea typeface="微软雅黑" panose="020B0503020204020204" pitchFamily="34" charset="-122"/>
               </a:rPr>
-              <a:t>文件还原数据库</a:t>
-            </a:r>
-            <a:r>
-              <a:rPr lang="zh-CN" altLang="en-US" sz="2400" dirty="0" smtClean="0">
-                <a:solidFill>
-                  <a:srgbClr val="EEF2F5"/>
-                </a:solidFill>
-                <a:latin typeface="微软雅黑" panose="020B0503020204020204" pitchFamily="34" charset="-122"/>
-                <a:ea typeface="微软雅黑" panose="020B0503020204020204" pitchFamily="34" charset="-122"/>
-              </a:rPr>
-              <a:t>状态</a:t>
+              <a:t>文件还原数据库状态</a:t>
             </a:r>
             <a:endParaRPr lang="en-US" altLang="zh-CN" sz="2400" dirty="0" smtClean="0">
               <a:solidFill>
@@ -13959,17 +14393,7 @@
                 <a:latin typeface="微软雅黑" panose="020B0503020204020204" pitchFamily="34" charset="-122"/>
                 <a:ea typeface="微软雅黑" panose="020B0503020204020204" pitchFamily="34" charset="-122"/>
               </a:rPr>
-              <a:t>数据库进行</a:t>
-            </a:r>
-            <a:r>
-              <a:rPr lang="zh-CN" altLang="en-US" sz="1600" dirty="0" smtClean="0">
-                <a:solidFill>
-                  <a:srgbClr val="EEF2F5"/>
-                </a:solidFill>
-                <a:latin typeface="微软雅黑" panose="020B0503020204020204" pitchFamily="34" charset="-122"/>
-                <a:ea typeface="微软雅黑" panose="020B0503020204020204" pitchFamily="34" charset="-122"/>
-              </a:rPr>
-              <a:t>了至少</a:t>
+              <a:t>数据库进行了至少</a:t>
             </a:r>
             <a:r>
               <a:rPr lang="en-US" altLang="zh-CN" sz="1600" dirty="0" smtClean="0">
@@ -14736,30 +15160,6 @@
           </a:p>
         </p:txBody>
       </p:sp>
-      <p:pic>
-        <p:nvPicPr>
-          <p:cNvPr id="4" name="图片 3"/>
-          <p:cNvPicPr>
-            <a:picLocks noChangeAspect="1"/>
-          </p:cNvPicPr>
-          <p:nvPr/>
-        </p:nvPicPr>
-        <p:blipFill>
-          <a:blip r:embed="rId3"/>
-          <a:stretch>
-            <a:fillRect/>
-          </a:stretch>
-        </p:blipFill>
-        <p:spPr>
-          <a:xfrm>
-            <a:off x="2041939" y="6074170"/>
-            <a:ext cx="7270503" cy="786251"/>
-          </a:xfrm>
-          <a:prstGeom prst="rect">
-            <a:avLst/>
-          </a:prstGeom>
-        </p:spPr>
-      </p:pic>
       <p:sp>
         <p:nvSpPr>
           <p:cNvPr id="9" name="Rectangle 14"/>
@@ -14869,30 +15269,69 @@
           </a:p>
         </p:txBody>
       </p:sp>
-      <p:pic>
-        <p:nvPicPr>
-          <p:cNvPr id="5" name="图片 4"/>
-          <p:cNvPicPr>
-            <a:picLocks noChangeAspect="1"/>
-          </p:cNvPicPr>
+      <p:grpSp>
+        <p:nvGrpSpPr>
+          <p:cNvPr id="3" name="组合 2"/>
+          <p:cNvGrpSpPr/>
           <p:nvPr/>
-        </p:nvPicPr>
-        <p:blipFill>
-          <a:blip r:embed="rId4"/>
-          <a:stretch>
-            <a:fillRect/>
-          </a:stretch>
-        </p:blipFill>
-        <p:spPr>
+        </p:nvGrpSpPr>
+        <p:grpSpPr>
           <a:xfrm>
             <a:off x="2041939" y="5180773"/>
-            <a:ext cx="3198680" cy="893397"/>
+            <a:ext cx="7270503" cy="1679648"/>
+            <a:chOff x="2041939" y="5180773"/>
+            <a:chExt cx="7270503" cy="1679648"/>
           </a:xfrm>
-          <a:prstGeom prst="rect">
-            <a:avLst/>
-          </a:prstGeom>
-        </p:spPr>
-      </p:pic>
+        </p:grpSpPr>
+        <p:pic>
+          <p:nvPicPr>
+            <p:cNvPr id="4" name="图片 3"/>
+            <p:cNvPicPr>
+              <a:picLocks noChangeAspect="1"/>
+            </p:cNvPicPr>
+            <p:nvPr/>
+          </p:nvPicPr>
+          <p:blipFill>
+            <a:blip r:embed="rId3"/>
+            <a:stretch>
+              <a:fillRect/>
+            </a:stretch>
+          </p:blipFill>
+          <p:spPr>
+            <a:xfrm>
+              <a:off x="2041939" y="6074170"/>
+              <a:ext cx="7270503" cy="786251"/>
+            </a:xfrm>
+            <a:prstGeom prst="rect">
+              <a:avLst/>
+            </a:prstGeom>
+          </p:spPr>
+        </p:pic>
+        <p:pic>
+          <p:nvPicPr>
+            <p:cNvPr id="5" name="图片 4"/>
+            <p:cNvPicPr>
+              <a:picLocks noChangeAspect="1"/>
+            </p:cNvPicPr>
+            <p:nvPr/>
+          </p:nvPicPr>
+          <p:blipFill>
+            <a:blip r:embed="rId4"/>
+            <a:stretch>
+              <a:fillRect/>
+            </a:stretch>
+          </p:blipFill>
+          <p:spPr>
+            <a:xfrm>
+              <a:off x="2041939" y="5180773"/>
+              <a:ext cx="3198680" cy="893397"/>
+            </a:xfrm>
+            <a:prstGeom prst="rect">
+              <a:avLst/>
+            </a:prstGeom>
+          </p:spPr>
+        </p:pic>
+      </p:grpSp>
     </p:spTree>
     <p:extLst>
       <p:ext uri="{BB962C8B-B14F-4D97-AF65-F5344CB8AC3E}">
@@ -14936,7 +15375,7 @@
                             </p:stCondLst>
                             <p:childTnLst>
                               <p:par>
-                                <p:cTn id="5" presetID="14" presetClass="entr" presetSubtype="10" fill="hold" nodeType="clickEffect">
+                                <p:cTn id="5" presetID="14" presetClass="entr" presetSubtype="10" fill="hold" grpId="0" nodeType="clickEffect">
                                   <p:stCondLst>
                                     <p:cond delay="0"/>
                                   </p:stCondLst>
@@ -14944,94 +15383,6 @@
                                     <p:set>
                                       <p:cBhvr>
                                         <p:cTn id="6" dur="1" fill="hold">
-                                          <p:stCondLst>
-                                            <p:cond delay="0"/>
-                                          </p:stCondLst>
-                                        </p:cTn>
-                                        <p:tgtEl>
-                                          <p:spTgt spid="4"/>
-                                        </p:tgtEl>
-                                        <p:attrNameLst>
-                                          <p:attrName>style.visibility</p:attrName>
-                                        </p:attrNameLst>
-                                      </p:cBhvr>
-                                      <p:to>
-                                        <p:strVal val="visible"/>
-                                      </p:to>
-                                    </p:set>
-                                    <p:animEffect transition="in" filter="randombar(horizontal)">
-                                      <p:cBhvr>
-                                        <p:cTn id="7" dur="500"/>
-                                        <p:tgtEl>
-                                          <p:spTgt spid="4"/>
-                                        </p:tgtEl>
-                                      </p:cBhvr>
-                                    </p:animEffect>
-                                  </p:childTnLst>
-                                </p:cTn>
-                              </p:par>
-                              <p:par>
-                                <p:cTn id="8" presetID="14" presetClass="entr" presetSubtype="10" fill="hold" nodeType="withEffect">
-                                  <p:stCondLst>
-                                    <p:cond delay="0"/>
-                                  </p:stCondLst>
-                                  <p:childTnLst>
-                                    <p:set>
-                                      <p:cBhvr>
-                                        <p:cTn id="9" dur="1" fill="hold">
-                                          <p:stCondLst>
-                                            <p:cond delay="0"/>
-                                          </p:stCondLst>
-                                        </p:cTn>
-                                        <p:tgtEl>
-                                          <p:spTgt spid="5"/>
-                                        </p:tgtEl>
-                                        <p:attrNameLst>
-                                          <p:attrName>style.visibility</p:attrName>
-                                        </p:attrNameLst>
-                                      </p:cBhvr>
-                                      <p:to>
-                                        <p:strVal val="visible"/>
-                                      </p:to>
-                                    </p:set>
-                                    <p:animEffect transition="in" filter="randombar(horizontal)">
-                                      <p:cBhvr>
-                                        <p:cTn id="10" dur="500"/>
-                                        <p:tgtEl>
-                                          <p:spTgt spid="5"/>
-                                        </p:tgtEl>
-                                      </p:cBhvr>
-                                    </p:animEffect>
-                                  </p:childTnLst>
-                                </p:cTn>
-                              </p:par>
-                            </p:childTnLst>
-                          </p:cTn>
-                        </p:par>
-                      </p:childTnLst>
-                    </p:cTn>
-                  </p:par>
-                  <p:par>
-                    <p:cTn id="11" fill="hold">
-                      <p:stCondLst>
-                        <p:cond delay="indefinite"/>
-                      </p:stCondLst>
-                      <p:childTnLst>
-                        <p:par>
-                          <p:cTn id="12" fill="hold">
-                            <p:stCondLst>
-                              <p:cond delay="0"/>
-                            </p:stCondLst>
-                            <p:childTnLst>
-                              <p:par>
-                                <p:cTn id="13" presetID="14" presetClass="entr" presetSubtype="10" fill="hold" grpId="0" nodeType="clickEffect">
-                                  <p:stCondLst>
-                                    <p:cond delay="0"/>
-                                  </p:stCondLst>
-                                  <p:childTnLst>
-                                    <p:set>
-                                      <p:cBhvr>
-                                        <p:cTn id="14" dur="1" fill="hold">
                                           <p:stCondLst>
                                             <p:cond delay="0"/>
                                           </p:stCondLst>
@@ -15049,7 +15400,7 @@
                                     </p:set>
                                     <p:animEffect transition="in" filter="randombar(horizontal)">
                                       <p:cBhvr>
-                                        <p:cTn id="15" dur="500"/>
+                                        <p:cTn id="7" dur="500"/>
                                         <p:tgtEl>
                                           <p:spTgt spid="2"/>
                                         </p:tgtEl>
@@ -15059,14 +15410,14 @@
                                 </p:cTn>
                               </p:par>
                               <p:par>
-                                <p:cTn id="16" presetID="14" presetClass="entr" presetSubtype="10" fill="hold" grpId="0" nodeType="withEffect">
+                                <p:cTn id="8" presetID="14" presetClass="entr" presetSubtype="10" fill="hold" grpId="0" nodeType="withEffect">
                                   <p:stCondLst>
                                     <p:cond delay="0"/>
                                   </p:stCondLst>
                                   <p:childTnLst>
                                     <p:set>
                                       <p:cBhvr>
-                                        <p:cTn id="17" dur="1" fill="hold">
+                                        <p:cTn id="9" dur="1" fill="hold">
                                           <p:stCondLst>
                                             <p:cond delay="0"/>
                                           </p:stCondLst>
@@ -15084,7 +15435,7 @@
                                     </p:set>
                                     <p:animEffect transition="in" filter="randombar(horizontal)">
                                       <p:cBhvr>
-                                        <p:cTn id="18" dur="500"/>
+                                        <p:cTn id="10" dur="500"/>
                                         <p:tgtEl>
                                           <p:spTgt spid="9"/>
                                         </p:tgtEl>
@@ -15689,7 +16040,17 @@
                 <a:latin typeface="微软雅黑" panose="020B0503020204020204" pitchFamily="34" charset="-122"/>
                 <a:ea typeface="微软雅黑" panose="020B0503020204020204" pitchFamily="34" charset="-122"/>
               </a:rPr>
-              <a:t>重写</a:t>
+              <a:t>重写机制原理：首先从数据库中读取键现在的值，然后用一</a:t>
+            </a:r>
+            <a:r>
+              <a:rPr lang="zh-CN" altLang="en-US" sz="2000" dirty="0">
+                <a:solidFill>
+                  <a:srgbClr val="EEF2F5"/>
+                </a:solidFill>
+                <a:latin typeface="微软雅黑" panose="020B0503020204020204" pitchFamily="34" charset="-122"/>
+                <a:ea typeface="微软雅黑" panose="020B0503020204020204" pitchFamily="34" charset="-122"/>
+              </a:rPr>
+              <a:t>条写命令代替之前的多条写</a:t>
             </a:r>
             <a:r>
               <a:rPr lang="zh-CN" altLang="en-US" sz="2000" dirty="0" smtClean="0">
@@ -15699,67 +16060,7 @@
                 <a:latin typeface="微软雅黑" panose="020B0503020204020204" pitchFamily="34" charset="-122"/>
                 <a:ea typeface="微软雅黑" panose="020B0503020204020204" pitchFamily="34" charset="-122"/>
               </a:rPr>
-              <a:t>机制原理：</a:t>
-            </a:r>
-            <a:r>
-              <a:rPr lang="zh-CN" altLang="en-US" sz="2000" dirty="0" smtClean="0">
-                <a:solidFill>
-                  <a:srgbClr val="EEF2F5"/>
-                </a:solidFill>
-                <a:latin typeface="微软雅黑" panose="020B0503020204020204" pitchFamily="34" charset="-122"/>
-                <a:ea typeface="微软雅黑" panose="020B0503020204020204" pitchFamily="34" charset="-122"/>
-              </a:rPr>
-              <a:t>首先从数据库中读取键现在的值，然后用一</a:t>
-            </a:r>
-            <a:r>
-              <a:rPr lang="zh-CN" altLang="en-US" sz="2000" dirty="0">
-                <a:solidFill>
-                  <a:srgbClr val="EEF2F5"/>
-                </a:solidFill>
-                <a:latin typeface="微软雅黑" panose="020B0503020204020204" pitchFamily="34" charset="-122"/>
-                <a:ea typeface="微软雅黑" panose="020B0503020204020204" pitchFamily="34" charset="-122"/>
-              </a:rPr>
-              <a:t>条写命令代替之前的多条写</a:t>
-            </a:r>
-            <a:r>
-              <a:rPr lang="zh-CN" altLang="en-US" sz="2000" dirty="0" smtClean="0">
-                <a:solidFill>
-                  <a:srgbClr val="EEF2F5"/>
-                </a:solidFill>
-                <a:latin typeface="微软雅黑" panose="020B0503020204020204" pitchFamily="34" charset="-122"/>
-                <a:ea typeface="微软雅黑" panose="020B0503020204020204" pitchFamily="34" charset="-122"/>
-              </a:rPr>
-              <a:t>命令</a:t>
-            </a:r>
-            <a:r>
-              <a:rPr lang="zh-CN" altLang="en-US" sz="2000" dirty="0" smtClean="0">
-                <a:solidFill>
-                  <a:srgbClr val="EEF2F5"/>
-                </a:solidFill>
-                <a:latin typeface="微软雅黑" panose="020B0503020204020204" pitchFamily="34" charset="-122"/>
-                <a:ea typeface="微软雅黑" panose="020B0503020204020204" pitchFamily="34" charset="-122"/>
-              </a:rPr>
-              <a:t>记录</a:t>
-            </a:r>
-            <a:r>
-              <a:rPr lang="zh-CN" altLang="en-US" sz="2000" dirty="0" smtClean="0">
-                <a:solidFill>
-                  <a:srgbClr val="EEF2F5"/>
-                </a:solidFill>
-                <a:latin typeface="微软雅黑" panose="020B0503020204020204" pitchFamily="34" charset="-122"/>
-                <a:ea typeface="微软雅黑" panose="020B0503020204020204" pitchFamily="34" charset="-122"/>
-              </a:rPr>
-              <a:t>键值</a:t>
-            </a:r>
-            <a:r>
-              <a:rPr lang="zh-CN" altLang="en-US" sz="2000" dirty="0" smtClean="0">
-                <a:solidFill>
-                  <a:srgbClr val="EEF2F5"/>
-                </a:solidFill>
-                <a:latin typeface="微软雅黑" panose="020B0503020204020204" pitchFamily="34" charset="-122"/>
-                <a:ea typeface="微软雅黑" panose="020B0503020204020204" pitchFamily="34" charset="-122"/>
-              </a:rPr>
-              <a:t>对。</a:t>
+              <a:t>命令记录键值对。</a:t>
             </a:r>
             <a:r>
               <a:rPr lang="en-US" altLang="zh-CN" sz="2000" dirty="0" smtClean="0">
@@ -17488,17 +17789,7 @@
                 <a:latin typeface="微软雅黑" panose="020B0503020204020204" pitchFamily="34" charset="-122"/>
                 <a:ea typeface="微软雅黑" panose="020B0503020204020204" pitchFamily="34" charset="-122"/>
               </a:rPr>
-              <a:t>高性能</a:t>
-            </a:r>
-            <a:r>
-              <a:rPr lang="zh-CN" altLang="en-US" sz="2800" b="1" dirty="0" smtClean="0">
-                <a:solidFill>
-                  <a:srgbClr val="EEF2F5"/>
-                </a:solidFill>
-                <a:latin typeface="微软雅黑" panose="020B0503020204020204" pitchFamily="34" charset="-122"/>
-                <a:ea typeface="微软雅黑" panose="020B0503020204020204" pitchFamily="34" charset="-122"/>
-              </a:rPr>
-              <a:t>的</a:t>
+              <a:t>高性能的</a:t>
             </a:r>
             <a:r>
               <a:rPr lang="en-US" altLang="zh-CN" sz="2800" b="1" dirty="0" smtClean="0">
@@ -18053,7 +18344,7 @@
         <p:spPr>
           <a:xfrm>
             <a:off x="2169153" y="3878442"/>
-            <a:ext cx="9020417" cy="1052596"/>
+            <a:ext cx="9020417" cy="1005788"/>
           </a:xfrm>
           <a:prstGeom prst="rect">
             <a:avLst/>
@@ -18111,6 +18402,56 @@
               <a:t>10W</a:t>
             </a:r>
             <a:r>
+              <a:rPr lang="zh-CN" altLang="en-US" sz="2400" dirty="0">
+                <a:solidFill>
+                  <a:srgbClr val="EEF2F5"/>
+                </a:solidFill>
+                <a:latin typeface="微软雅黑" panose="020B0503020204020204" pitchFamily="34" charset="-122"/>
+                <a:ea typeface="微软雅黑" panose="020B0503020204020204" pitchFamily="34" charset="-122"/>
+              </a:rPr>
+              <a:t>次，写操作的速度是</a:t>
+            </a:r>
+            <a:r>
+              <a:rPr lang="en-US" altLang="zh-CN" sz="2400" dirty="0">
+                <a:solidFill>
+                  <a:srgbClr val="EEF2F5"/>
+                </a:solidFill>
+                <a:latin typeface="微软雅黑" panose="020B0503020204020204" pitchFamily="34" charset="-122"/>
+                <a:ea typeface="微软雅黑" panose="020B0503020204020204" pitchFamily="34" charset="-122"/>
+              </a:rPr>
+              <a:t>81000</a:t>
+            </a:r>
+            <a:r>
+              <a:rPr lang="zh-CN" altLang="en-US" sz="2400" dirty="0">
+                <a:solidFill>
+                  <a:srgbClr val="EEF2F5"/>
+                </a:solidFill>
+                <a:latin typeface="微软雅黑" panose="020B0503020204020204" pitchFamily="34" charset="-122"/>
+                <a:ea typeface="微软雅黑" panose="020B0503020204020204" pitchFamily="34" charset="-122"/>
+              </a:rPr>
+              <a:t>次</a:t>
+            </a:r>
+            <a:r>
+              <a:rPr lang="en-US" altLang="zh-CN" sz="2400" dirty="0">
+                <a:solidFill>
+                  <a:srgbClr val="EEF2F5"/>
+                </a:solidFill>
+                <a:latin typeface="微软雅黑" panose="020B0503020204020204" pitchFamily="34" charset="-122"/>
+                <a:ea typeface="微软雅黑" panose="020B0503020204020204" pitchFamily="34" charset="-122"/>
+              </a:rPr>
+              <a:t>/</a:t>
+            </a:r>
+            <a:r>
+              <a:rPr lang="en-US" altLang="zh-CN" sz="2400" dirty="0" smtClean="0">
+                <a:solidFill>
+                  <a:srgbClr val="EEF2F5"/>
+                </a:solidFill>
+                <a:latin typeface="微软雅黑" panose="020B0503020204020204" pitchFamily="34" charset="-122"/>
+                <a:ea typeface="微软雅黑" panose="020B0503020204020204" pitchFamily="34" charset="-122"/>
+              </a:rPr>
+              <a:t>S</a:t>
+            </a:r>
+            <a:r>
               <a:rPr lang="zh-CN" altLang="en-US" sz="2400" dirty="0" smtClean="0">
                 <a:solidFill>
                   <a:srgbClr val="EEF2F5"/>
@@ -18118,7 +18459,17 @@
                 <a:latin typeface="微软雅黑" panose="020B0503020204020204" pitchFamily="34" charset="-122"/>
                 <a:ea typeface="微软雅黑" panose="020B0503020204020204" pitchFamily="34" charset="-122"/>
               </a:rPr>
-              <a:t>次，写操作的速度是</a:t>
+              <a:t>，读操作</a:t>
+            </a:r>
+            <a:r>
+              <a:rPr lang="zh-CN" altLang="en-US" sz="2400" dirty="0" smtClean="0">
+                <a:solidFill>
+                  <a:srgbClr val="EEF2F5"/>
+                </a:solidFill>
+                <a:latin typeface="微软雅黑" panose="020B0503020204020204" pitchFamily="34" charset="-122"/>
+                <a:ea typeface="微软雅黑" panose="020B0503020204020204" pitchFamily="34" charset="-122"/>
+              </a:rPr>
+              <a:t>的速度是</a:t>
             </a:r>
             <a:r>
               <a:rPr lang="en-US" altLang="zh-CN" sz="2400" dirty="0" smtClean="0">
@@ -18148,17 +18499,7 @@
                 <a:latin typeface="微软雅黑" panose="020B0503020204020204" pitchFamily="34" charset="-122"/>
                 <a:ea typeface="微软雅黑" panose="020B0503020204020204" pitchFamily="34" charset="-122"/>
               </a:rPr>
-              <a:t>/S</a:t>
-            </a:r>
-            <a:r>
-              <a:rPr lang="zh-CN" altLang="en-US" sz="2400" dirty="0" smtClean="0">
-                <a:solidFill>
-                  <a:srgbClr val="EEF2F5"/>
-                </a:solidFill>
-                <a:latin typeface="微软雅黑" panose="020B0503020204020204" pitchFamily="34" charset="-122"/>
-                <a:ea typeface="微软雅黑" panose="020B0503020204020204" pitchFamily="34" charset="-122"/>
-              </a:rPr>
-              <a:t>，读操作的速度是</a:t>
+              <a:t>/</a:t>
             </a:r>
             <a:r>
               <a:rPr lang="en-US" altLang="zh-CN" sz="2400" dirty="0" smtClean="0">
@@ -18168,27 +18509,7 @@
                 <a:latin typeface="微软雅黑" panose="020B0503020204020204" pitchFamily="34" charset="-122"/>
                 <a:ea typeface="微软雅黑" panose="020B0503020204020204" pitchFamily="34" charset="-122"/>
               </a:rPr>
-              <a:t>81000</a:t>
-            </a:r>
-            <a:r>
-              <a:rPr lang="zh-CN" altLang="en-US" sz="2400" dirty="0" smtClean="0">
-                <a:solidFill>
-                  <a:srgbClr val="EEF2F5"/>
-                </a:solidFill>
-                <a:latin typeface="微软雅黑" panose="020B0503020204020204" pitchFamily="34" charset="-122"/>
-                <a:ea typeface="微软雅黑" panose="020B0503020204020204" pitchFamily="34" charset="-122"/>
-              </a:rPr>
-              <a:t>次</a:t>
-            </a:r>
-            <a:r>
-              <a:rPr lang="en-US" altLang="zh-CN" sz="2400" dirty="0" smtClean="0">
-                <a:solidFill>
-                  <a:srgbClr val="EEF2F5"/>
-                </a:solidFill>
-                <a:latin typeface="微软雅黑" panose="020B0503020204020204" pitchFamily="34" charset="-122"/>
-                <a:ea typeface="微软雅黑" panose="020B0503020204020204" pitchFamily="34" charset="-122"/>
-              </a:rPr>
-              <a:t>/S</a:t>
+              <a:t>S</a:t>
             </a:r>
             <a:endParaRPr lang="en-US" sz="2400" dirty="0">
               <a:solidFill>
@@ -18919,17 +19240,7 @@
                 <a:latin typeface="微软雅黑" panose="020B0503020204020204" pitchFamily="34" charset="-122"/>
                 <a:ea typeface="微软雅黑" panose="020B0503020204020204" pitchFamily="34" charset="-122"/>
               </a:rPr>
-              <a:t>三、</a:t>
-            </a:r>
-            <a:r>
-              <a:rPr lang="zh-CN" altLang="en-US" sz="2800" dirty="0" smtClean="0">
-                <a:solidFill>
-                  <a:srgbClr val="EEF2F5"/>
-                </a:solidFill>
-                <a:latin typeface="微软雅黑" panose="020B0503020204020204" pitchFamily="34" charset="-122"/>
-                <a:ea typeface="微软雅黑" panose="020B0503020204020204" pitchFamily="34" charset="-122"/>
-              </a:rPr>
-              <a:t>复制功能</a:t>
+              <a:t>三、复制功能</a:t>
             </a:r>
             <a:endParaRPr lang="en-US" altLang="zh-CN" sz="2800" dirty="0" smtClean="0">
               <a:solidFill>
@@ -19993,27 +20304,7 @@
                 <a:latin typeface="微软雅黑" panose="020B0503020204020204" pitchFamily="34" charset="-122"/>
                 <a:ea typeface="微软雅黑" panose="020B0503020204020204" pitchFamily="34" charset="-122"/>
               </a:rPr>
-              <a:t>三、</a:t>
-            </a:r>
-            <a:r>
-              <a:rPr lang="zh-CN" altLang="en-US" sz="2800" dirty="0" smtClean="0">
-                <a:solidFill>
-                  <a:srgbClr val="EEF2F5"/>
-                </a:solidFill>
-                <a:latin typeface="微软雅黑" panose="020B0503020204020204" pitchFamily="34" charset="-122"/>
-                <a:ea typeface="微软雅黑" panose="020B0503020204020204" pitchFamily="34" charset="-122"/>
-              </a:rPr>
-              <a:t>复制功能存在</a:t>
-            </a:r>
-            <a:r>
-              <a:rPr lang="zh-CN" altLang="en-US" sz="2800" dirty="0" smtClean="0">
-                <a:solidFill>
-                  <a:srgbClr val="EEF2F5"/>
-                </a:solidFill>
-                <a:latin typeface="微软雅黑" panose="020B0503020204020204" pitchFamily="34" charset="-122"/>
-                <a:ea typeface="微软雅黑" panose="020B0503020204020204" pitchFamily="34" charset="-122"/>
-              </a:rPr>
-              <a:t>的问题</a:t>
+              <a:t>三、复制功能存在的问题</a:t>
             </a:r>
             <a:endParaRPr lang="en-US" altLang="zh-CN" sz="2800" dirty="0" smtClean="0">
               <a:solidFill>
@@ -20594,27 +20885,7 @@
                 <a:latin typeface="微软雅黑" panose="020B0503020204020204" pitchFamily="34" charset="-122"/>
                 <a:ea typeface="微软雅黑" panose="020B0503020204020204" pitchFamily="34" charset="-122"/>
               </a:rPr>
-              <a:t>三、</a:t>
-            </a:r>
-            <a:r>
-              <a:rPr lang="zh-CN" altLang="en-US" sz="2800" dirty="0" smtClean="0">
-                <a:solidFill>
-                  <a:srgbClr val="EEF2F5"/>
-                </a:solidFill>
-                <a:latin typeface="微软雅黑" panose="020B0503020204020204" pitchFamily="34" charset="-122"/>
-                <a:ea typeface="微软雅黑" panose="020B0503020204020204" pitchFamily="34" charset="-122"/>
-              </a:rPr>
-              <a:t>复制功能问题</a:t>
-            </a:r>
-            <a:r>
-              <a:rPr lang="zh-CN" altLang="en-US" sz="2800" dirty="0" smtClean="0">
-                <a:solidFill>
-                  <a:srgbClr val="EEF2F5"/>
-                </a:solidFill>
-                <a:latin typeface="微软雅黑" panose="020B0503020204020204" pitchFamily="34" charset="-122"/>
-                <a:ea typeface="微软雅黑" panose="020B0503020204020204" pitchFamily="34" charset="-122"/>
-              </a:rPr>
-              <a:t>的解决办法</a:t>
+              <a:t>三、复制功能问题的解决办法</a:t>
             </a:r>
             <a:endParaRPr lang="en-US" altLang="zh-CN" sz="2800" dirty="0" smtClean="0">
               <a:solidFill>
@@ -20660,27 +20931,7 @@
                 <a:latin typeface="微软雅黑" panose="020B0503020204020204" pitchFamily="34" charset="-122"/>
                 <a:ea typeface="微软雅黑" panose="020B0503020204020204" pitchFamily="34" charset="-122"/>
               </a:rPr>
-              <a:t>部分重同步：处理断线后重新</a:t>
-            </a:r>
-            <a:r>
-              <a:rPr lang="zh-CN" altLang="en-US" sz="2400" dirty="0" smtClean="0">
-                <a:solidFill>
-                  <a:srgbClr val="EEF2F5"/>
-                </a:solidFill>
-                <a:latin typeface="微软雅黑" panose="020B0503020204020204" pitchFamily="34" charset="-122"/>
-                <a:ea typeface="微软雅黑" panose="020B0503020204020204" pitchFamily="34" charset="-122"/>
-              </a:rPr>
-              <a:t>连接到主</a:t>
-            </a:r>
-            <a:r>
-              <a:rPr lang="zh-CN" altLang="en-US" sz="2400" dirty="0" smtClean="0">
-                <a:solidFill>
-                  <a:srgbClr val="EEF2F5"/>
-                </a:solidFill>
-                <a:latin typeface="微软雅黑" panose="020B0503020204020204" pitchFamily="34" charset="-122"/>
-                <a:ea typeface="微软雅黑" panose="020B0503020204020204" pitchFamily="34" charset="-122"/>
-              </a:rPr>
-              <a:t>服务器时，发送主从服务器断线时主服务器执行的写命令。</a:t>
+              <a:t>部分重同步：处理断线后重新连接到主服务器时，发送主从服务器断线时主服务器执行的写命令。</a:t>
             </a:r>
             <a:endParaRPr lang="en-US" altLang="zh-CN" sz="2400" dirty="0" smtClean="0">
               <a:solidFill>
@@ -22979,37 +23230,7 @@
                 <a:latin typeface="微软雅黑" panose="020B0503020204020204" pitchFamily="34" charset="-122"/>
                 <a:ea typeface="微软雅黑" panose="020B0503020204020204" pitchFamily="34" charset="-122"/>
               </a:rPr>
-              <a:t>命令，将指定</a:t>
-            </a:r>
-            <a:r>
-              <a:rPr lang="zh-CN" altLang="en-US" sz="2000" dirty="0" smtClean="0">
-                <a:solidFill>
-                  <a:srgbClr val="EEF2F5"/>
-                </a:solidFill>
-                <a:latin typeface="微软雅黑" panose="020B0503020204020204" pitchFamily="34" charset="-122"/>
-                <a:ea typeface="微软雅黑" panose="020B0503020204020204" pitchFamily="34" charset="-122"/>
-              </a:rPr>
-              <a:t>节点添加当前</a:t>
-            </a:r>
-            <a:r>
-              <a:rPr lang="zh-CN" altLang="en-US" sz="2000" dirty="0" smtClean="0">
-                <a:solidFill>
-                  <a:srgbClr val="EEF2F5"/>
-                </a:solidFill>
-                <a:latin typeface="微软雅黑" panose="020B0503020204020204" pitchFamily="34" charset="-122"/>
-                <a:ea typeface="微软雅黑" panose="020B0503020204020204" pitchFamily="34" charset="-122"/>
-              </a:rPr>
-              <a:t>节点</a:t>
-            </a:r>
-            <a:r>
-              <a:rPr lang="zh-CN" altLang="en-US" sz="2000" dirty="0" smtClean="0">
-                <a:solidFill>
-                  <a:srgbClr val="EEF2F5"/>
-                </a:solidFill>
-                <a:latin typeface="微软雅黑" panose="020B0503020204020204" pitchFamily="34" charset="-122"/>
-                <a:ea typeface="微软雅黑" panose="020B0503020204020204" pitchFamily="34" charset="-122"/>
-              </a:rPr>
-              <a:t>所在的集群</a:t>
+              <a:t>命令，将指定节点添加当前节点所在的集群</a:t>
             </a:r>
             <a:endParaRPr lang="en-US" altLang="zh-CN" sz="2000" dirty="0" smtClean="0">
               <a:solidFill>
@@ -29040,17 +29261,7 @@
                 <a:latin typeface="微软雅黑" panose="020B0503020204020204" pitchFamily="34" charset="-122"/>
                 <a:ea typeface="微软雅黑" panose="020B0503020204020204" pitchFamily="34" charset="-122"/>
               </a:rPr>
-              <a:t>的情况，则拒绝执行这个事务</a:t>
-            </a:r>
-            <a:r>
-              <a:rPr lang="zh-CN" altLang="en-US" sz="2000" dirty="0" smtClean="0">
-                <a:solidFill>
-                  <a:srgbClr val="EEF2F5"/>
-                </a:solidFill>
-                <a:latin typeface="微软雅黑" panose="020B0503020204020204" pitchFamily="34" charset="-122"/>
-                <a:ea typeface="微软雅黑" panose="020B0503020204020204" pitchFamily="34" charset="-122"/>
-              </a:rPr>
-              <a:t>；</a:t>
+              <a:t>的情况，则拒绝执行这个事务；</a:t>
             </a:r>
             <a:endParaRPr lang="en-US" altLang="zh-CN" sz="2000" dirty="0" smtClean="0">
               <a:solidFill>
@@ -29978,17 +30189,7 @@
                 <a:latin typeface="微软雅黑" panose="020B0503020204020204" pitchFamily="34" charset="-122"/>
                 <a:ea typeface="微软雅黑" panose="020B0503020204020204" pitchFamily="34" charset="-122"/>
               </a:rPr>
-              <a:t>使用的模式决定</a:t>
-            </a:r>
-            <a:r>
-              <a:rPr lang="zh-CN" altLang="en-US" sz="2400" dirty="0" smtClean="0">
-                <a:solidFill>
-                  <a:srgbClr val="EEF2F5"/>
-                </a:solidFill>
-                <a:latin typeface="微软雅黑" panose="020B0503020204020204" pitchFamily="34" charset="-122"/>
-                <a:ea typeface="微软雅黑" panose="020B0503020204020204" pitchFamily="34" charset="-122"/>
-              </a:rPr>
-              <a:t>，如在</a:t>
+              <a:t>使用的模式决定，如在</a:t>
             </a:r>
             <a:r>
               <a:rPr lang="en-US" altLang="zh-CN" sz="2400" dirty="0" smtClean="0">
@@ -33604,7 +33805,24 @@
                 <a:ea typeface="微软雅黑" panose="020B0503020204020204" pitchFamily="34" charset="-122"/>
                 <a:cs typeface="+mn-cs"/>
               </a:rPr>
-              <a:t>按城市、楼盘、用户等访问</a:t>
+              <a:t>按城市、楼盘、用户等访问动态</a:t>
+            </a:r>
+            <a:r>
+              <a:rPr kumimoji="0" lang="en-US" altLang="zh-CN" sz="2400" b="0" i="0" u="none" strike="noStrike" kern="1200" cap="none" spc="0" normalizeH="0" baseline="0" noProof="0" dirty="0" smtClean="0">
+                <a:ln>
+                  <a:noFill/>
+                </a:ln>
+                <a:solidFill>
+                  <a:srgbClr val="EEF2F5"/>
+                </a:solidFill>
+                <a:effectLst/>
+                <a:uLnTx/>
+                <a:uFillTx/>
+                <a:latin typeface="微软雅黑" panose="020B0503020204020204" pitchFamily="34" charset="-122"/>
+                <a:ea typeface="微软雅黑" panose="020B0503020204020204" pitchFamily="34" charset="-122"/>
+                <a:cs typeface="+mn-cs"/>
+              </a:rPr>
+              <a:t>/</a:t>
             </a:r>
             <a:r>
               <a:rPr kumimoji="0" lang="zh-CN" altLang="en-US" sz="2400" b="0" i="0" u="none" strike="noStrike" kern="1200" cap="none" spc="0" normalizeH="0" baseline="0" noProof="0" dirty="0" smtClean="0">
@@ -33621,126 +33839,7 @@
                 <a:ea typeface="微软雅黑" panose="020B0503020204020204" pitchFamily="34" charset="-122"/>
                 <a:cs typeface="+mn-cs"/>
               </a:rPr>
-              <a:t>动态</a:t>
-            </a:r>
-            <a:r>
-              <a:rPr kumimoji="0" lang="en-US" altLang="zh-CN" sz="2400" b="0" i="0" u="none" strike="noStrike" kern="1200" cap="none" spc="0" normalizeH="0" baseline="0" noProof="0" dirty="0" smtClean="0">
-                <a:ln>
-                  <a:noFill/>
-                </a:ln>
-                <a:solidFill>
-                  <a:srgbClr val="EEF2F5"/>
-                </a:solidFill>
-                <a:effectLst/>
-                <a:uLnTx/>
-                <a:uFillTx/>
-                <a:latin typeface="微软雅黑" panose="020B0503020204020204" pitchFamily="34" charset="-122"/>
-                <a:ea typeface="微软雅黑" panose="020B0503020204020204" pitchFamily="34" charset="-122"/>
-                <a:cs typeface="+mn-cs"/>
-              </a:rPr>
-              <a:t>/</a:t>
-            </a:r>
-            <a:r>
-              <a:rPr kumimoji="0" lang="zh-CN" altLang="en-US" sz="2400" b="0" i="0" u="none" strike="noStrike" kern="1200" cap="none" spc="0" normalizeH="0" baseline="0" noProof="0" dirty="0" smtClean="0">
-                <a:ln>
-                  <a:noFill/>
-                </a:ln>
-                <a:solidFill>
-                  <a:srgbClr val="EEF2F5"/>
-                </a:solidFill>
-                <a:effectLst/>
-                <a:uLnTx/>
-                <a:uFillTx/>
-                <a:latin typeface="微软雅黑" panose="020B0503020204020204" pitchFamily="34" charset="-122"/>
-                <a:ea typeface="微软雅黑" panose="020B0503020204020204" pitchFamily="34" charset="-122"/>
-                <a:cs typeface="+mn-cs"/>
-              </a:rPr>
-              <a:t>资讯</a:t>
-            </a:r>
-            <a:r>
-              <a:rPr kumimoji="0" lang="zh-CN" altLang="en-US" sz="2400" b="0" i="0" u="none" strike="noStrike" kern="1200" cap="none" spc="0" normalizeH="0" baseline="0" noProof="0" dirty="0" smtClean="0">
-                <a:ln>
-                  <a:noFill/>
-                </a:ln>
-                <a:solidFill>
-                  <a:srgbClr val="EEF2F5"/>
-                </a:solidFill>
-                <a:effectLst/>
-                <a:uLnTx/>
-                <a:uFillTx/>
-                <a:latin typeface="微软雅黑" panose="020B0503020204020204" pitchFamily="34" charset="-122"/>
-                <a:ea typeface="微软雅黑" panose="020B0503020204020204" pitchFamily="34" charset="-122"/>
-                <a:cs typeface="+mn-cs"/>
-              </a:rPr>
-              <a:t>，如果直接从数据库</a:t>
-            </a:r>
-            <a:r>
-              <a:rPr kumimoji="0" lang="zh-CN" altLang="en-US" sz="2400" b="0" i="0" u="none" strike="noStrike" kern="1200" cap="none" spc="0" normalizeH="0" baseline="0" noProof="0" dirty="0" smtClean="0">
-                <a:ln>
-                  <a:noFill/>
-                </a:ln>
-                <a:solidFill>
-                  <a:srgbClr val="EEF2F5"/>
-                </a:solidFill>
-                <a:effectLst/>
-                <a:uLnTx/>
-                <a:uFillTx/>
-                <a:latin typeface="微软雅黑" panose="020B0503020204020204" pitchFamily="34" charset="-122"/>
-                <a:ea typeface="微软雅黑" panose="020B0503020204020204" pitchFamily="34" charset="-122"/>
-                <a:cs typeface="+mn-cs"/>
-              </a:rPr>
-              <a:t>中获取数据，数据量大、</a:t>
-            </a:r>
-            <a:r>
-              <a:rPr kumimoji="0" lang="zh-CN" altLang="en-US" sz="2400" b="0" i="0" u="none" strike="noStrike" kern="1200" cap="none" spc="0" normalizeH="0" baseline="0" noProof="0" dirty="0" smtClean="0">
-                <a:ln>
-                  <a:noFill/>
-                </a:ln>
-                <a:solidFill>
-                  <a:srgbClr val="EEF2F5"/>
-                </a:solidFill>
-                <a:effectLst/>
-                <a:uLnTx/>
-                <a:uFillTx/>
-                <a:latin typeface="微软雅黑" panose="020B0503020204020204" pitchFamily="34" charset="-122"/>
-                <a:ea typeface="微软雅黑" panose="020B0503020204020204" pitchFamily="34" charset="-122"/>
-                <a:cs typeface="+mn-cs"/>
-              </a:rPr>
-              <a:t>并且不是按照主键</a:t>
-            </a:r>
-            <a:r>
-              <a:rPr kumimoji="0" lang="zh-CN" altLang="en-US" sz="2400" b="0" i="0" u="none" strike="noStrike" kern="1200" cap="none" spc="0" normalizeH="0" baseline="0" noProof="0" dirty="0" smtClean="0">
-                <a:ln>
-                  <a:noFill/>
-                </a:ln>
-                <a:solidFill>
-                  <a:srgbClr val="EEF2F5"/>
-                </a:solidFill>
-                <a:effectLst/>
-                <a:uLnTx/>
-                <a:uFillTx/>
-                <a:latin typeface="微软雅黑" panose="020B0503020204020204" pitchFamily="34" charset="-122"/>
-                <a:ea typeface="微软雅黑" panose="020B0503020204020204" pitchFamily="34" charset="-122"/>
-                <a:cs typeface="+mn-cs"/>
-              </a:rPr>
-              <a:t>检索，耗时</a:t>
-            </a:r>
-            <a:r>
-              <a:rPr kumimoji="0" lang="zh-CN" altLang="en-US" sz="2400" b="0" i="0" u="none" strike="noStrike" kern="1200" cap="none" spc="0" normalizeH="0" baseline="0" noProof="0" dirty="0" smtClean="0">
-                <a:ln>
-                  <a:noFill/>
-                </a:ln>
-                <a:solidFill>
-                  <a:srgbClr val="EEF2F5"/>
-                </a:solidFill>
-                <a:effectLst/>
-                <a:uLnTx/>
-                <a:uFillTx/>
-                <a:latin typeface="微软雅黑" panose="020B0503020204020204" pitchFamily="34" charset="-122"/>
-                <a:ea typeface="微软雅黑" panose="020B0503020204020204" pitchFamily="34" charset="-122"/>
-                <a:cs typeface="+mn-cs"/>
-              </a:rPr>
-              <a:t>大，页面响应低</a:t>
+              <a:t>资讯，如果直接从数据库中获取数据，数据量大、并且不是按照主键检索，耗时大，页面响应低</a:t>
             </a:r>
             <a:endParaRPr kumimoji="0" lang="en-US" altLang="zh-CN" sz="2400" b="0" i="0" u="none" strike="noStrike" kern="1200" cap="none" spc="0" normalizeH="0" baseline="0" noProof="0" dirty="0" smtClean="0">
               <a:ln>
@@ -33829,7 +33928,24 @@
                 <a:ea typeface="微软雅黑" panose="020B0503020204020204" pitchFamily="34" charset="-122"/>
                 <a:cs typeface="+mn-cs"/>
               </a:rPr>
-              <a:t>、建立索引</a:t>
+              <a:t>、建立索引。索引固然可以提高相应的</a:t>
+            </a:r>
+            <a:r>
+              <a:rPr kumimoji="0" lang="en-US" altLang="zh-CN" sz="2000" b="0" i="0" u="none" strike="noStrike" kern="1200" cap="none" spc="0" normalizeH="0" baseline="0" noProof="0" dirty="0" smtClean="0">
+                <a:ln>
+                  <a:noFill/>
+                </a:ln>
+                <a:solidFill>
+                  <a:srgbClr val="EEF2F5"/>
+                </a:solidFill>
+                <a:effectLst/>
+                <a:uLnTx/>
+                <a:uFillTx/>
+                <a:latin typeface="微软雅黑" panose="020B0503020204020204" pitchFamily="34" charset="-122"/>
+                <a:ea typeface="微软雅黑" panose="020B0503020204020204" pitchFamily="34" charset="-122"/>
+                <a:cs typeface="+mn-cs"/>
+              </a:rPr>
+              <a:t>select</a:t>
             </a:r>
             <a:r>
               <a:rPr kumimoji="0" lang="zh-CN" altLang="en-US" sz="2000" b="0" i="0" u="none" strike="noStrike" kern="1200" cap="none" spc="0" normalizeH="0" baseline="0" noProof="0" dirty="0" smtClean="0">
@@ -33846,7 +33962,24 @@
                 <a:ea typeface="微软雅黑" panose="020B0503020204020204" pitchFamily="34" charset="-122"/>
                 <a:cs typeface="+mn-cs"/>
               </a:rPr>
-              <a:t>。索引固然可以</a:t>
+              <a:t>效率，但同时降低了</a:t>
+            </a:r>
+            <a:r>
+              <a:rPr kumimoji="0" lang="en-US" altLang="zh-CN" sz="2000" b="0" i="0" u="none" strike="noStrike" kern="1200" cap="none" spc="0" normalizeH="0" baseline="0" noProof="0" dirty="0" smtClean="0">
+                <a:ln>
+                  <a:noFill/>
+                </a:ln>
+                <a:solidFill>
+                  <a:srgbClr val="EEF2F5"/>
+                </a:solidFill>
+                <a:effectLst/>
+                <a:uLnTx/>
+                <a:uFillTx/>
+                <a:latin typeface="微软雅黑" panose="020B0503020204020204" pitchFamily="34" charset="-122"/>
+                <a:ea typeface="微软雅黑" panose="020B0503020204020204" pitchFamily="34" charset="-122"/>
+                <a:cs typeface="+mn-cs"/>
+              </a:rPr>
+              <a:t>insert/update</a:t>
             </a:r>
             <a:r>
               <a:rPr kumimoji="0" lang="zh-CN" altLang="en-US" sz="2000" b="0" i="0" u="none" strike="noStrike" kern="1200" cap="none" spc="0" normalizeH="0" baseline="0" noProof="0" dirty="0" smtClean="0">
@@ -33863,126 +33996,7 @@
                 <a:ea typeface="微软雅黑" panose="020B0503020204020204" pitchFamily="34" charset="-122"/>
                 <a:cs typeface="+mn-cs"/>
               </a:rPr>
-              <a:t>提高相应</a:t>
-            </a:r>
-            <a:r>
-              <a:rPr kumimoji="0" lang="zh-CN" altLang="en-US" sz="2000" b="0" i="0" u="none" strike="noStrike" kern="1200" cap="none" spc="0" normalizeH="0" baseline="0" noProof="0" dirty="0" smtClean="0">
-                <a:ln>
-                  <a:noFill/>
-                </a:ln>
-                <a:solidFill>
-                  <a:srgbClr val="EEF2F5"/>
-                </a:solidFill>
-                <a:effectLst/>
-                <a:uLnTx/>
-                <a:uFillTx/>
-                <a:latin typeface="微软雅黑" panose="020B0503020204020204" pitchFamily="34" charset="-122"/>
-                <a:ea typeface="微软雅黑" panose="020B0503020204020204" pitchFamily="34" charset="-122"/>
-                <a:cs typeface="+mn-cs"/>
-              </a:rPr>
-              <a:t>的</a:t>
-            </a:r>
-            <a:r>
-              <a:rPr kumimoji="0" lang="en-US" altLang="zh-CN" sz="2000" b="0" i="0" u="none" strike="noStrike" kern="1200" cap="none" spc="0" normalizeH="0" baseline="0" noProof="0" dirty="0" smtClean="0">
-                <a:ln>
-                  <a:noFill/>
-                </a:ln>
-                <a:solidFill>
-                  <a:srgbClr val="EEF2F5"/>
-                </a:solidFill>
-                <a:effectLst/>
-                <a:uLnTx/>
-                <a:uFillTx/>
-                <a:latin typeface="微软雅黑" panose="020B0503020204020204" pitchFamily="34" charset="-122"/>
-                <a:ea typeface="微软雅黑" panose="020B0503020204020204" pitchFamily="34" charset="-122"/>
-                <a:cs typeface="+mn-cs"/>
-              </a:rPr>
-              <a:t>select</a:t>
-            </a:r>
-            <a:r>
-              <a:rPr kumimoji="0" lang="zh-CN" altLang="en-US" sz="2000" b="0" i="0" u="none" strike="noStrike" kern="1200" cap="none" spc="0" normalizeH="0" baseline="0" noProof="0" dirty="0" smtClean="0">
-                <a:ln>
-                  <a:noFill/>
-                </a:ln>
-                <a:solidFill>
-                  <a:srgbClr val="EEF2F5"/>
-                </a:solidFill>
-                <a:effectLst/>
-                <a:uLnTx/>
-                <a:uFillTx/>
-                <a:latin typeface="微软雅黑" panose="020B0503020204020204" pitchFamily="34" charset="-122"/>
-                <a:ea typeface="微软雅黑" panose="020B0503020204020204" pitchFamily="34" charset="-122"/>
-                <a:cs typeface="+mn-cs"/>
-              </a:rPr>
-              <a:t>效率，但同时降低了</a:t>
-            </a:r>
-            <a:r>
-              <a:rPr kumimoji="0" lang="en-US" altLang="zh-CN" sz="2000" b="0" i="0" u="none" strike="noStrike" kern="1200" cap="none" spc="0" normalizeH="0" baseline="0" noProof="0" dirty="0" smtClean="0">
-                <a:ln>
-                  <a:noFill/>
-                </a:ln>
-                <a:solidFill>
-                  <a:srgbClr val="EEF2F5"/>
-                </a:solidFill>
-                <a:effectLst/>
-                <a:uLnTx/>
-                <a:uFillTx/>
-                <a:latin typeface="微软雅黑" panose="020B0503020204020204" pitchFamily="34" charset="-122"/>
-                <a:ea typeface="微软雅黑" panose="020B0503020204020204" pitchFamily="34" charset="-122"/>
-                <a:cs typeface="+mn-cs"/>
-              </a:rPr>
-              <a:t>insert/update</a:t>
-            </a:r>
-            <a:r>
-              <a:rPr kumimoji="0" lang="zh-CN" altLang="en-US" sz="2000" b="0" i="0" u="none" strike="noStrike" kern="1200" cap="none" spc="0" normalizeH="0" baseline="0" noProof="0" dirty="0" smtClean="0">
-                <a:ln>
-                  <a:noFill/>
-                </a:ln>
-                <a:solidFill>
-                  <a:srgbClr val="EEF2F5"/>
-                </a:solidFill>
-                <a:effectLst/>
-                <a:uLnTx/>
-                <a:uFillTx/>
-                <a:latin typeface="微软雅黑" panose="020B0503020204020204" pitchFamily="34" charset="-122"/>
-                <a:ea typeface="微软雅黑" panose="020B0503020204020204" pitchFamily="34" charset="-122"/>
-                <a:cs typeface="+mn-cs"/>
-              </a:rPr>
-              <a:t>的效率，当有数据更新时会引起索引重建</a:t>
-            </a:r>
-            <a:r>
-              <a:rPr kumimoji="0" lang="zh-CN" altLang="en-US" sz="2000" b="0" i="0" u="none" strike="noStrike" kern="1200" cap="none" spc="0" normalizeH="0" baseline="0" noProof="0" dirty="0" smtClean="0">
-                <a:ln>
-                  <a:noFill/>
-                </a:ln>
-                <a:solidFill>
-                  <a:srgbClr val="EEF2F5"/>
-                </a:solidFill>
-                <a:effectLst/>
-                <a:uLnTx/>
-                <a:uFillTx/>
-                <a:latin typeface="微软雅黑" panose="020B0503020204020204" pitchFamily="34" charset="-122"/>
-                <a:ea typeface="微软雅黑" panose="020B0503020204020204" pitchFamily="34" charset="-122"/>
-                <a:cs typeface="+mn-cs"/>
-              </a:rPr>
-              <a:t>，耗费</a:t>
-            </a:r>
-            <a:r>
-              <a:rPr kumimoji="0" lang="zh-CN" altLang="en-US" sz="2000" b="0" i="0" u="none" strike="noStrike" kern="1200" cap="none" spc="0" normalizeH="0" baseline="0" noProof="0" dirty="0" smtClean="0">
-                <a:ln>
-                  <a:noFill/>
-                </a:ln>
-                <a:solidFill>
-                  <a:srgbClr val="EEF2F5"/>
-                </a:solidFill>
-                <a:effectLst/>
-                <a:uLnTx/>
-                <a:uFillTx/>
-                <a:latin typeface="微软雅黑" panose="020B0503020204020204" pitchFamily="34" charset="-122"/>
-                <a:ea typeface="微软雅黑" panose="020B0503020204020204" pitchFamily="34" charset="-122"/>
-                <a:cs typeface="+mn-cs"/>
-              </a:rPr>
-              <a:t>资源巨大不满足要求；</a:t>
+              <a:t>的效率，当有数据更新时会引起索引重建，耗费资源巨大不满足要求；</a:t>
             </a:r>
             <a:endParaRPr kumimoji="0" lang="en-US" altLang="zh-CN" sz="2000" b="0" i="0" u="none" strike="noStrike" kern="1200" cap="none" spc="0" normalizeH="0" baseline="0" noProof="0" dirty="0" smtClean="0">
               <a:ln>
@@ -34064,24 +34078,7 @@
                 <a:ea typeface="微软雅黑" panose="020B0503020204020204" pitchFamily="34" charset="-122"/>
                 <a:cs typeface="+mn-cs"/>
               </a:rPr>
-              <a:t>、加入缓存</a:t>
-            </a:r>
-            <a:r>
-              <a:rPr kumimoji="0" lang="zh-CN" altLang="en-US" sz="2000" b="0" i="0" u="none" strike="noStrike" kern="1200" cap="none" spc="0" normalizeH="0" baseline="0" noProof="0" dirty="0" smtClean="0">
-                <a:ln>
-                  <a:noFill/>
-                </a:ln>
-                <a:solidFill>
-                  <a:srgbClr val="EEF2F5"/>
-                </a:solidFill>
-                <a:effectLst/>
-                <a:uLnTx/>
-                <a:uFillTx/>
-                <a:latin typeface="微软雅黑" panose="020B0503020204020204" pitchFamily="34" charset="-122"/>
-                <a:ea typeface="微软雅黑" panose="020B0503020204020204" pitchFamily="34" charset="-122"/>
-                <a:cs typeface="+mn-cs"/>
-              </a:rPr>
-              <a:t>。将数据加载到内存中，大大提高数据访问速度。</a:t>
+              <a:t>、加入缓存。将数据加载到内存中，大大提高数据访问速度。</a:t>
             </a:r>
             <a:endParaRPr kumimoji="0" lang="en-US" altLang="zh-CN" sz="2000" b="0" i="0" u="none" strike="noStrike" kern="1200" cap="none" spc="0" normalizeH="0" baseline="0" noProof="0" dirty="0" smtClean="0">
               <a:ln>
@@ -34479,7 +34476,7 @@
         <p:spPr>
           <a:xfrm>
             <a:off x="1895634" y="2421644"/>
-            <a:ext cx="9549660" cy="1532727"/>
+            <a:ext cx="9549660" cy="1052596"/>
           </a:xfrm>
           <a:prstGeom prst="rect">
             <a:avLst/>
@@ -34534,17 +34531,7 @@
                 <a:latin typeface="微软雅黑" panose="020B0503020204020204" pitchFamily="34" charset="-122"/>
                 <a:ea typeface="微软雅黑" panose="020B0503020204020204" pitchFamily="34" charset="-122"/>
               </a:rPr>
-              <a:t>）的抽象类型，并用作系统中默认的字符串表示，同时用作缓冲区，例如</a:t>
-            </a:r>
-            <a:r>
-              <a:rPr lang="en-US" altLang="zh-CN" sz="2400" dirty="0" smtClean="0">
-                <a:solidFill>
-                  <a:srgbClr val="EEF2F5"/>
-                </a:solidFill>
-                <a:latin typeface="微软雅黑" panose="020B0503020204020204" pitchFamily="34" charset="-122"/>
-                <a:ea typeface="微软雅黑" panose="020B0503020204020204" pitchFamily="34" charset="-122"/>
-              </a:rPr>
-              <a:t>AOF</a:t>
+              <a:t>）的抽象类型</a:t>
             </a:r>
             <a:r>
               <a:rPr lang="zh-CN" altLang="en-US" sz="2400" dirty="0" smtClean="0">
@@ -34554,7 +34541,27 @@
                 <a:latin typeface="微软雅黑" panose="020B0503020204020204" pitchFamily="34" charset="-122"/>
                 <a:ea typeface="微软雅黑" panose="020B0503020204020204" pitchFamily="34" charset="-122"/>
               </a:rPr>
-              <a:t>缓冲区、客户端状态中的输入缓冲区等。</a:t>
+              <a:t>，用作</a:t>
+            </a:r>
+            <a:r>
+              <a:rPr lang="zh-CN" altLang="en-US" sz="2400" dirty="0" smtClean="0">
+                <a:solidFill>
+                  <a:srgbClr val="EEF2F5"/>
+                </a:solidFill>
+                <a:latin typeface="微软雅黑" panose="020B0503020204020204" pitchFamily="34" charset="-122"/>
+                <a:ea typeface="微软雅黑" panose="020B0503020204020204" pitchFamily="34" charset="-122"/>
+              </a:rPr>
+              <a:t>系统中默认的字符串表示，同时</a:t>
+            </a:r>
+            <a:r>
+              <a:rPr lang="zh-CN" altLang="en-US" sz="2400" dirty="0" smtClean="0">
+                <a:solidFill>
+                  <a:srgbClr val="EEF2F5"/>
+                </a:solidFill>
+                <a:latin typeface="微软雅黑" panose="020B0503020204020204" pitchFamily="34" charset="-122"/>
+                <a:ea typeface="微软雅黑" panose="020B0503020204020204" pitchFamily="34" charset="-122"/>
+              </a:rPr>
+              <a:t>用于实现缓冲区。</a:t>
             </a:r>
             <a:endParaRPr lang="en-US" altLang="zh-CN" sz="2400" dirty="0" smtClean="0">
               <a:solidFill>
@@ -34582,7 +34589,7 @@
         </p:blipFill>
         <p:spPr>
           <a:xfrm>
-            <a:off x="2104599" y="4134661"/>
+            <a:off x="2184063" y="3896122"/>
             <a:ext cx="3476190" cy="2295238"/>
           </a:xfrm>
           <a:prstGeom prst="rect">
@@ -34606,7 +34613,7 @@
         </p:blipFill>
         <p:spPr>
           <a:xfrm>
-            <a:off x="5826092" y="4553708"/>
+            <a:off x="5839344" y="4315169"/>
             <a:ext cx="4752381" cy="1457143"/>
           </a:xfrm>
           <a:prstGeom prst="rect">
@@ -35012,24 +35019,7 @@
                 <a:ea typeface="微软雅黑" panose="020B0503020204020204" pitchFamily="34" charset="-122"/>
                 <a:cs typeface="+mn-cs"/>
               </a:rPr>
-              <a:t>以楼盘下动态为例</a:t>
-            </a:r>
-            <a:r>
-              <a:rPr kumimoji="0" lang="zh-CN" altLang="en-US" sz="2400" b="0" i="0" u="none" strike="noStrike" kern="1200" cap="none" spc="0" normalizeH="0" baseline="0" noProof="0" dirty="0" smtClean="0">
-                <a:ln>
-                  <a:noFill/>
-                </a:ln>
-                <a:solidFill>
-                  <a:srgbClr val="EEF2F5"/>
-                </a:solidFill>
-                <a:effectLst/>
-                <a:uLnTx/>
-                <a:uFillTx/>
-                <a:latin typeface="微软雅黑" panose="020B0503020204020204" pitchFamily="34" charset="-122"/>
-                <a:ea typeface="微软雅黑" panose="020B0503020204020204" pitchFamily="34" charset="-122"/>
-                <a:cs typeface="+mn-cs"/>
-              </a:rPr>
-              <a:t>，运用</a:t>
+              <a:t>以楼盘下动态为例，运用</a:t>
             </a:r>
             <a:r>
               <a:rPr kumimoji="0" lang="en-US" altLang="zh-CN" sz="2400" b="0" i="0" u="none" strike="noStrike" kern="1200" cap="none" spc="0" normalizeH="0" baseline="0" noProof="0" dirty="0" err="1" smtClean="0">
@@ -36668,17 +36658,7 @@
                 <a:latin typeface="微软雅黑" panose="020B0503020204020204" pitchFamily="34" charset="-122"/>
                 <a:ea typeface="微软雅黑" panose="020B0503020204020204" pitchFamily="34" charset="-122"/>
               </a:rPr>
-              <a:t>、常数复杂度获取字符串长度</a:t>
-            </a:r>
-            <a:r>
-              <a:rPr lang="zh-CN" altLang="en-US" sz="2400" dirty="0" smtClean="0">
-                <a:solidFill>
-                  <a:srgbClr val="EEF2F5"/>
-                </a:solidFill>
-                <a:latin typeface="微软雅黑" panose="020B0503020204020204" pitchFamily="34" charset="-122"/>
-                <a:ea typeface="微软雅黑" panose="020B0503020204020204" pitchFamily="34" charset="-122"/>
-              </a:rPr>
-              <a:t>；</a:t>
+              <a:t>、常数复杂度获取字符串长度；</a:t>
             </a:r>
             <a:endParaRPr lang="en-US" altLang="zh-CN" sz="2400" dirty="0" smtClean="0">
               <a:solidFill>
@@ -36789,7 +36769,7 @@
         <p:spPr>
           <a:xfrm>
             <a:off x="1998216" y="3893035"/>
-            <a:ext cx="9597008" cy="2012859"/>
+            <a:ext cx="9597008" cy="2492990"/>
           </a:xfrm>
           <a:prstGeom prst="rect">
             <a:avLst/>
@@ -36868,7 +36848,51 @@
                 <a:latin typeface="微软雅黑" panose="020B0503020204020204" pitchFamily="34" charset="-122"/>
                 <a:ea typeface="微软雅黑" panose="020B0503020204020204" pitchFamily="34" charset="-122"/>
               </a:rPr>
-              <a:t>）空间预分配：</a:t>
+              <a:t>）空间预分配</a:t>
+            </a:r>
+            <a:r>
+              <a:rPr lang="zh-CN" altLang="en-US" sz="2400" dirty="0" smtClean="0">
+                <a:solidFill>
+                  <a:srgbClr val="EEF2F5"/>
+                </a:solidFill>
+                <a:latin typeface="微软雅黑" panose="020B0503020204020204" pitchFamily="34" charset="-122"/>
+                <a:ea typeface="微软雅黑" panose="020B0503020204020204" pitchFamily="34" charset="-122"/>
+              </a:rPr>
+              <a:t>：</a:t>
+            </a:r>
+            <a:endParaRPr lang="en-US" altLang="zh-CN" sz="2400" dirty="0" smtClean="0">
+              <a:solidFill>
+                <a:srgbClr val="EEF2F5"/>
+              </a:solidFill>
+              <a:latin typeface="微软雅黑" panose="020B0503020204020204" pitchFamily="34" charset="-122"/>
+              <a:ea typeface="微软雅黑" panose="020B0503020204020204" pitchFamily="34" charset="-122"/>
+            </a:endParaRPr>
+          </a:p>
+          <a:p>
+            <a:pPr lvl="2" indent="-457200" defTabSz="914363">
+              <a:lnSpc>
+                <a:spcPct val="130000"/>
+              </a:lnSpc>
+            </a:pPr>
+            <a:r>
+              <a:rPr lang="en-US" altLang="zh-CN" sz="2400" dirty="0" smtClean="0">
+                <a:solidFill>
+                  <a:srgbClr val="EEF2F5"/>
+                </a:solidFill>
+                <a:latin typeface="微软雅黑" panose="020B0503020204020204" pitchFamily="34" charset="-122"/>
+                <a:ea typeface="微软雅黑" panose="020B0503020204020204" pitchFamily="34" charset="-122"/>
+              </a:rPr>
+              <a:t>SDS</a:t>
+            </a:r>
+            <a:r>
+              <a:rPr lang="zh-CN" altLang="en-US" sz="2400" dirty="0">
+                <a:solidFill>
+                  <a:srgbClr val="EEF2F5"/>
+                </a:solidFill>
+                <a:latin typeface="微软雅黑" panose="020B0503020204020204" pitchFamily="34" charset="-122"/>
+                <a:ea typeface="微软雅黑" panose="020B0503020204020204" pitchFamily="34" charset="-122"/>
+              </a:rPr>
+              <a:t>长度小于</a:t>
             </a:r>
             <a:r>
               <a:rPr lang="en-US" altLang="zh-CN" sz="2400" dirty="0">
@@ -36878,7 +36902,7 @@
                 <a:latin typeface="微软雅黑" panose="020B0503020204020204" pitchFamily="34" charset="-122"/>
                 <a:ea typeface="微软雅黑" panose="020B0503020204020204" pitchFamily="34" charset="-122"/>
               </a:rPr>
-              <a:t>SDS</a:t>
+              <a:t>1MB</a:t>
             </a:r>
             <a:r>
               <a:rPr lang="zh-CN" altLang="en-US" sz="2400" dirty="0">
@@ -36888,7 +36912,7 @@
                 <a:latin typeface="微软雅黑" panose="020B0503020204020204" pitchFamily="34" charset="-122"/>
                 <a:ea typeface="微软雅黑" panose="020B0503020204020204" pitchFamily="34" charset="-122"/>
               </a:rPr>
-              <a:t>长度小于</a:t>
+              <a:t>，则分配（</a:t>
             </a:r>
             <a:r>
               <a:rPr lang="en-US" altLang="zh-CN" sz="2400" dirty="0">
@@ -36898,7 +36922,7 @@
                 <a:latin typeface="微软雅黑" panose="020B0503020204020204" pitchFamily="34" charset="-122"/>
                 <a:ea typeface="微软雅黑" panose="020B0503020204020204" pitchFamily="34" charset="-122"/>
               </a:rPr>
-              <a:t>1MB</a:t>
+              <a:t>2</a:t>
             </a:r>
             <a:r>
               <a:rPr lang="zh-CN" altLang="en-US" sz="2400" dirty="0">
@@ -36908,17 +36932,27 @@
                 <a:latin typeface="微软雅黑" panose="020B0503020204020204" pitchFamily="34" charset="-122"/>
                 <a:ea typeface="微软雅黑" panose="020B0503020204020204" pitchFamily="34" charset="-122"/>
               </a:rPr>
-              <a:t>，则分配（</a:t>
-            </a:r>
-            <a:r>
-              <a:rPr lang="en-US" altLang="zh-CN" sz="2400" dirty="0">
-                <a:solidFill>
-                  <a:srgbClr val="EEF2F5"/>
-                </a:solidFill>
-                <a:latin typeface="微软雅黑" panose="020B0503020204020204" pitchFamily="34" charset="-122"/>
-                <a:ea typeface="微软雅黑" panose="020B0503020204020204" pitchFamily="34" charset="-122"/>
-              </a:rPr>
-              <a:t>2</a:t>
+              <a:t>*</a:t>
+            </a:r>
+            <a:r>
+              <a:rPr lang="en-US" altLang="zh-CN" sz="2400" dirty="0" smtClean="0">
+                <a:solidFill>
+                  <a:srgbClr val="EEF2F5"/>
+                </a:solidFill>
+                <a:latin typeface="微软雅黑" panose="020B0503020204020204" pitchFamily="34" charset="-122"/>
+                <a:ea typeface="微软雅黑" panose="020B0503020204020204" pitchFamily="34" charset="-122"/>
+              </a:rPr>
+              <a:t>len+1B</a:t>
+            </a:r>
+            <a:r>
+              <a:rPr lang="zh-CN" altLang="en-US" sz="2400" dirty="0" smtClean="0">
+                <a:solidFill>
+                  <a:srgbClr val="EEF2F5"/>
+                </a:solidFill>
+                <a:latin typeface="微软雅黑" panose="020B0503020204020204" pitchFamily="34" charset="-122"/>
+                <a:ea typeface="微软雅黑" panose="020B0503020204020204" pitchFamily="34" charset="-122"/>
+              </a:rPr>
+              <a:t>）</a:t>
             </a:r>
             <a:r>
               <a:rPr lang="zh-CN" altLang="en-US" sz="2400" dirty="0">
@@ -36928,17 +36962,7 @@
                 <a:latin typeface="微软雅黑" panose="020B0503020204020204" pitchFamily="34" charset="-122"/>
                 <a:ea typeface="微软雅黑" panose="020B0503020204020204" pitchFamily="34" charset="-122"/>
               </a:rPr>
-              <a:t>*</a:t>
-            </a:r>
-            <a:r>
-              <a:rPr lang="en-US" altLang="zh-CN" sz="2400" dirty="0" smtClean="0">
-                <a:solidFill>
-                  <a:srgbClr val="EEF2F5"/>
-                </a:solidFill>
-                <a:latin typeface="微软雅黑" panose="020B0503020204020204" pitchFamily="34" charset="-122"/>
-                <a:ea typeface="微软雅黑" panose="020B0503020204020204" pitchFamily="34" charset="-122"/>
-              </a:rPr>
-              <a:t>len+1B</a:t>
+              <a:t>大小空间</a:t>
             </a:r>
             <a:r>
               <a:rPr lang="zh-CN" altLang="en-US" sz="2400" dirty="0" smtClean="0">
@@ -36948,28 +36972,22 @@
                 <a:latin typeface="微软雅黑" panose="020B0503020204020204" pitchFamily="34" charset="-122"/>
                 <a:ea typeface="微软雅黑" panose="020B0503020204020204" pitchFamily="34" charset="-122"/>
               </a:rPr>
-              <a:t>）</a:t>
-            </a:r>
-            <a:r>
-              <a:rPr lang="zh-CN" altLang="en-US" sz="2400" dirty="0">
-                <a:solidFill>
-                  <a:srgbClr val="EEF2F5"/>
-                </a:solidFill>
-                <a:latin typeface="微软雅黑" panose="020B0503020204020204" pitchFamily="34" charset="-122"/>
-                <a:ea typeface="微软雅黑" panose="020B0503020204020204" pitchFamily="34" charset="-122"/>
-              </a:rPr>
-              <a:t>大小空间</a:t>
-            </a:r>
-            <a:r>
-              <a:rPr lang="zh-CN" altLang="en-US" sz="2400" dirty="0" smtClean="0">
-                <a:solidFill>
-                  <a:srgbClr val="EEF2F5"/>
-                </a:solidFill>
-                <a:latin typeface="微软雅黑" panose="020B0503020204020204" pitchFamily="34" charset="-122"/>
-                <a:ea typeface="微软雅黑" panose="020B0503020204020204" pitchFamily="34" charset="-122"/>
-              </a:rPr>
               <a:t>；</a:t>
             </a:r>
+            <a:endParaRPr lang="en-US" altLang="zh-CN" sz="2400" dirty="0" smtClean="0">
+              <a:solidFill>
+                <a:srgbClr val="EEF2F5"/>
+              </a:solidFill>
+              <a:latin typeface="微软雅黑" panose="020B0503020204020204" pitchFamily="34" charset="-122"/>
+              <a:ea typeface="微软雅黑" panose="020B0503020204020204" pitchFamily="34" charset="-122"/>
+            </a:endParaRPr>
+          </a:p>
+          <a:p>
+            <a:pPr lvl="2" indent="-457200" defTabSz="914363">
+              <a:lnSpc>
+                <a:spcPct val="130000"/>
+              </a:lnSpc>
+            </a:pPr>
             <a:r>
               <a:rPr lang="en-US" altLang="zh-CN" sz="2400" dirty="0" smtClean="0">
                 <a:solidFill>
@@ -37478,37 +37496,7 @@
                 <a:latin typeface="微软雅黑" panose="020B0503020204020204" pitchFamily="34" charset="-122"/>
                 <a:ea typeface="微软雅黑" panose="020B0503020204020204" pitchFamily="34" charset="-122"/>
               </a:rPr>
-              <a:t>链表高效</a:t>
-            </a:r>
-            <a:r>
-              <a:rPr lang="zh-CN" altLang="en-US" sz="2400" dirty="0" smtClean="0">
-                <a:solidFill>
-                  <a:srgbClr val="EEF2F5"/>
-                </a:solidFill>
-                <a:latin typeface="微软雅黑" panose="020B0503020204020204" pitchFamily="34" charset="-122"/>
-                <a:ea typeface="微软雅黑" panose="020B0503020204020204" pitchFamily="34" charset="-122"/>
-              </a:rPr>
-              <a:t>的节点</a:t>
-            </a:r>
-            <a:r>
-              <a:rPr lang="zh-CN" altLang="en-US" sz="2400" dirty="0" smtClean="0">
-                <a:solidFill>
-                  <a:srgbClr val="EEF2F5"/>
-                </a:solidFill>
-                <a:latin typeface="微软雅黑" panose="020B0503020204020204" pitchFamily="34" charset="-122"/>
-                <a:ea typeface="微软雅黑" panose="020B0503020204020204" pitchFamily="34" charset="-122"/>
-              </a:rPr>
-              <a:t>重排、</a:t>
-            </a:r>
-            <a:r>
-              <a:rPr lang="zh-CN" altLang="en-US" sz="2400" dirty="0" smtClean="0">
-                <a:solidFill>
-                  <a:srgbClr val="EEF2F5"/>
-                </a:solidFill>
-                <a:latin typeface="微软雅黑" panose="020B0503020204020204" pitchFamily="34" charset="-122"/>
-                <a:ea typeface="微软雅黑" panose="020B0503020204020204" pitchFamily="34" charset="-122"/>
-              </a:rPr>
-              <a:t>顺序访问方式、灵活增删节点。因此，在</a:t>
+              <a:t>链表高效的节点重排、顺序访问方式、灵活增删节点。因此，在</a:t>
             </a:r>
             <a:r>
               <a:rPr lang="en-US" altLang="zh-CN" sz="2400" dirty="0" err="1" smtClean="0">
@@ -38561,7 +38549,17 @@
                 <a:latin typeface="微软雅黑" panose="020B0503020204020204" pitchFamily="34" charset="-122"/>
                 <a:ea typeface="微软雅黑" panose="020B0503020204020204" pitchFamily="34" charset="-122"/>
               </a:rPr>
-              <a:t>用于保存</a:t>
+              <a:t>用于保存整数值的集合抽象数据结构，可以保存类型为</a:t>
+            </a:r>
+            <a:r>
+              <a:rPr lang="en-US" altLang="zh-CN" sz="2400" dirty="0" smtClean="0">
+                <a:solidFill>
+                  <a:srgbClr val="EEF2F5"/>
+                </a:solidFill>
+                <a:latin typeface="微软雅黑" panose="020B0503020204020204" pitchFamily="34" charset="-122"/>
+                <a:ea typeface="微软雅黑" panose="020B0503020204020204" pitchFamily="34" charset="-122"/>
+              </a:rPr>
+              <a:t>int16_t</a:t>
             </a:r>
             <a:r>
               <a:rPr lang="zh-CN" altLang="en-US" sz="2400" dirty="0" smtClean="0">
@@ -38571,7 +38569,27 @@
                 <a:latin typeface="微软雅黑" panose="020B0503020204020204" pitchFamily="34" charset="-122"/>
                 <a:ea typeface="微软雅黑" panose="020B0503020204020204" pitchFamily="34" charset="-122"/>
               </a:rPr>
-              <a:t>整数值的</a:t>
+              <a:t>、</a:t>
+            </a:r>
+            <a:r>
+              <a:rPr lang="en-US" altLang="zh-CN" sz="2400" dirty="0">
+                <a:solidFill>
+                  <a:srgbClr val="EEF2F5"/>
+                </a:solidFill>
+                <a:latin typeface="微软雅黑" panose="020B0503020204020204" pitchFamily="34" charset="-122"/>
+                <a:ea typeface="微软雅黑" panose="020B0503020204020204" pitchFamily="34" charset="-122"/>
+              </a:rPr>
+              <a:t> </a:t>
+            </a:r>
+            <a:r>
+              <a:rPr lang="en-US" altLang="zh-CN" sz="2400" dirty="0" smtClean="0">
+                <a:solidFill>
+                  <a:srgbClr val="EEF2F5"/>
+                </a:solidFill>
+                <a:latin typeface="微软雅黑" panose="020B0503020204020204" pitchFamily="34" charset="-122"/>
+                <a:ea typeface="微软雅黑" panose="020B0503020204020204" pitchFamily="34" charset="-122"/>
+              </a:rPr>
+              <a:t>int32_t </a:t>
             </a:r>
             <a:r>
               <a:rPr lang="zh-CN" altLang="en-US" sz="2400" dirty="0" smtClean="0">
@@ -38581,7 +38599,17 @@
                 <a:latin typeface="微软雅黑" panose="020B0503020204020204" pitchFamily="34" charset="-122"/>
                 <a:ea typeface="微软雅黑" panose="020B0503020204020204" pitchFamily="34" charset="-122"/>
               </a:rPr>
-              <a:t>集合抽象数据结构，可以保存类型为</a:t>
+              <a:t>、</a:t>
+            </a:r>
+            <a:r>
+              <a:rPr lang="en-US" altLang="zh-CN" sz="2400" dirty="0">
+                <a:solidFill>
+                  <a:srgbClr val="EEF2F5"/>
+                </a:solidFill>
+                <a:latin typeface="微软雅黑" panose="020B0503020204020204" pitchFamily="34" charset="-122"/>
+                <a:ea typeface="微软雅黑" panose="020B0503020204020204" pitchFamily="34" charset="-122"/>
+              </a:rPr>
+              <a:t> </a:t>
             </a:r>
             <a:r>
               <a:rPr lang="en-US" altLang="zh-CN" sz="2400" dirty="0" smtClean="0">
@@ -38591,7 +38619,7 @@
                 <a:latin typeface="微软雅黑" panose="020B0503020204020204" pitchFamily="34" charset="-122"/>
                 <a:ea typeface="微软雅黑" panose="020B0503020204020204" pitchFamily="34" charset="-122"/>
               </a:rPr>
-              <a:t>int16_t</a:t>
+              <a:t>int64_t </a:t>
             </a:r>
             <a:r>
               <a:rPr lang="zh-CN" altLang="en-US" sz="2400" dirty="0" smtClean="0">
@@ -38601,87 +38629,7 @@
                 <a:latin typeface="微软雅黑" panose="020B0503020204020204" pitchFamily="34" charset="-122"/>
                 <a:ea typeface="微软雅黑" panose="020B0503020204020204" pitchFamily="34" charset="-122"/>
               </a:rPr>
-              <a:t>、</a:t>
-            </a:r>
-            <a:r>
-              <a:rPr lang="en-US" altLang="zh-CN" sz="2400" dirty="0">
-                <a:solidFill>
-                  <a:srgbClr val="EEF2F5"/>
-                </a:solidFill>
-                <a:latin typeface="微软雅黑" panose="020B0503020204020204" pitchFamily="34" charset="-122"/>
-                <a:ea typeface="微软雅黑" panose="020B0503020204020204" pitchFamily="34" charset="-122"/>
-              </a:rPr>
-              <a:t> </a:t>
-            </a:r>
-            <a:r>
-              <a:rPr lang="en-US" altLang="zh-CN" sz="2400" dirty="0" smtClean="0">
-                <a:solidFill>
-                  <a:srgbClr val="EEF2F5"/>
-                </a:solidFill>
-                <a:latin typeface="微软雅黑" panose="020B0503020204020204" pitchFamily="34" charset="-122"/>
-                <a:ea typeface="微软雅黑" panose="020B0503020204020204" pitchFamily="34" charset="-122"/>
-              </a:rPr>
-              <a:t>int32_t </a:t>
-            </a:r>
-            <a:r>
-              <a:rPr lang="zh-CN" altLang="en-US" sz="2400" dirty="0" smtClean="0">
-                <a:solidFill>
-                  <a:srgbClr val="EEF2F5"/>
-                </a:solidFill>
-                <a:latin typeface="微软雅黑" panose="020B0503020204020204" pitchFamily="34" charset="-122"/>
-                <a:ea typeface="微软雅黑" panose="020B0503020204020204" pitchFamily="34" charset="-122"/>
-              </a:rPr>
-              <a:t>、</a:t>
-            </a:r>
-            <a:r>
-              <a:rPr lang="en-US" altLang="zh-CN" sz="2400" dirty="0">
-                <a:solidFill>
-                  <a:srgbClr val="EEF2F5"/>
-                </a:solidFill>
-                <a:latin typeface="微软雅黑" panose="020B0503020204020204" pitchFamily="34" charset="-122"/>
-                <a:ea typeface="微软雅黑" panose="020B0503020204020204" pitchFamily="34" charset="-122"/>
-              </a:rPr>
-              <a:t> </a:t>
-            </a:r>
-            <a:r>
-              <a:rPr lang="en-US" altLang="zh-CN" sz="2400" dirty="0" smtClean="0">
-                <a:solidFill>
-                  <a:srgbClr val="EEF2F5"/>
-                </a:solidFill>
-                <a:latin typeface="微软雅黑" panose="020B0503020204020204" pitchFamily="34" charset="-122"/>
-                <a:ea typeface="微软雅黑" panose="020B0503020204020204" pitchFamily="34" charset="-122"/>
-              </a:rPr>
-              <a:t>int64_t </a:t>
-            </a:r>
-            <a:r>
-              <a:rPr lang="zh-CN" altLang="en-US" sz="2400" dirty="0" smtClean="0">
-                <a:solidFill>
-                  <a:srgbClr val="EEF2F5"/>
-                </a:solidFill>
-                <a:latin typeface="微软雅黑" panose="020B0503020204020204" pitchFamily="34" charset="-122"/>
-                <a:ea typeface="微软雅黑" panose="020B0503020204020204" pitchFamily="34" charset="-122"/>
-              </a:rPr>
-              <a:t>的整数值</a:t>
-            </a:r>
-            <a:r>
-              <a:rPr lang="zh-CN" altLang="en-US" sz="2400" dirty="0" smtClean="0">
-                <a:solidFill>
-                  <a:srgbClr val="EEF2F5"/>
-                </a:solidFill>
-                <a:latin typeface="微软雅黑" panose="020B0503020204020204" pitchFamily="34" charset="-122"/>
-                <a:ea typeface="微软雅黑" panose="020B0503020204020204" pitchFamily="34" charset="-122"/>
-              </a:rPr>
-              <a:t>，按大小排序，并且</a:t>
-            </a:r>
-            <a:r>
-              <a:rPr lang="zh-CN" altLang="en-US" sz="2400" dirty="0" smtClean="0">
-                <a:solidFill>
-                  <a:srgbClr val="EEF2F5"/>
-                </a:solidFill>
-                <a:latin typeface="微软雅黑" panose="020B0503020204020204" pitchFamily="34" charset="-122"/>
-                <a:ea typeface="微软雅黑" panose="020B0503020204020204" pitchFamily="34" charset="-122"/>
-              </a:rPr>
-              <a:t>保证集合元素不重复。集合键的底层实现之一，当一个集合只包含整数值元素、且数量不多时，</a:t>
+              <a:t>的整数值，按大小排序，并且保证集合元素不重复。集合键的底层实现之一，当一个集合只包含整数值元素、且数量不多时，</a:t>
             </a:r>
             <a:r>
               <a:rPr lang="en-US" altLang="zh-CN" sz="2400" dirty="0" err="1" smtClean="0">
